--- a/inflearn03/doc/3.1 DBMS는서비스의일관성과무결성그리고영속성을위해사용합니다.pptx
+++ b/inflearn03/doc/3.1 DBMS는서비스의일관성과무결성그리고영속성을위해사용합니다.pptx
@@ -648,7 +648,7 @@
                 <a:latin typeface="맑은 고딕" panose="020B0503020000020004" pitchFamily="50" charset="-127"/>
                 <a:ea typeface="맑은 고딕" panose="020B0503020000020004" pitchFamily="50" charset="-127"/>
               </a:rPr>
-              <a:t>2021년 6월 16일</a:t>
+              <a:t>2021년 6월 19일</a:t>
             </a:fld>
             <a:endParaRPr lang="ko-KR" altLang="en-US">
               <a:latin typeface="맑은 고딕" panose="020B0503020000020004" pitchFamily="50" charset="-127"/>
@@ -745,6 +745,60 @@
 </p:handoutMaster>
 </file>
 
+<file path=ppt/ink/ink1.xml><?xml version="1.0" encoding="utf-8"?>
+<inkml:ink xmlns:inkml="http://www.w3.org/2003/InkML">
+  <inkml:definitions>
+    <inkml:context xml:id="ctx0">
+      <inkml:inkSource xml:id="inkSrc0">
+        <inkml:traceFormat>
+          <inkml:channel name="X" type="integer" min="-2.14748E9" max="2.14748E9" units="cm"/>
+          <inkml:channel name="Y" type="integer" min="-2.14748E9" max="2.14748E9" units="cm"/>
+          <inkml:channel name="F" type="integer" max="32767" units="dev"/>
+        </inkml:traceFormat>
+        <inkml:channelProperties>
+          <inkml:channelProperty channel="X" name="resolution" value="1000" units="1/cm"/>
+          <inkml:channelProperty channel="Y" name="resolution" value="1000" units="1/cm"/>
+          <inkml:channelProperty channel="F" name="resolution" value="0" units="1/dev"/>
+        </inkml:channelProperties>
+      </inkml:inkSource>
+      <inkml:timestamp xml:id="ts0" timeString="2021-06-19T08:07:37.548"/>
+    </inkml:context>
+    <inkml:brush xml:id="br0">
+      <inkml:brushProperty name="width" value="0.05" units="cm"/>
+      <inkml:brushProperty name="height" value="0.05" units="cm"/>
+    </inkml:brush>
+  </inkml:definitions>
+  <inkml:trace contextRef="#ctx0" brushRef="#br0">0 634 832,'0'0'0,"0"-210"0,0 85-480,17-13 128,8-23 352</inkml:trace>
+</inkml:ink>
+</file>
+
+<file path=ppt/ink/ink2.xml><?xml version="1.0" encoding="utf-8"?>
+<inkml:ink xmlns:inkml="http://www.w3.org/2003/InkML">
+  <inkml:definitions>
+    <inkml:context xml:id="ctx0">
+      <inkml:inkSource xml:id="inkSrc0">
+        <inkml:traceFormat>
+          <inkml:channel name="X" type="integer" min="-2.14748E9" max="2.14748E9" units="cm"/>
+          <inkml:channel name="Y" type="integer" min="-2.14748E9" max="2.14748E9" units="cm"/>
+          <inkml:channel name="F" type="integer" max="32767" units="dev"/>
+        </inkml:traceFormat>
+        <inkml:channelProperties>
+          <inkml:channelProperty channel="X" name="resolution" value="1000" units="1/cm"/>
+          <inkml:channelProperty channel="Y" name="resolution" value="1000" units="1/cm"/>
+          <inkml:channelProperty channel="F" name="resolution" value="0" units="1/dev"/>
+        </inkml:channelProperties>
+      </inkml:inkSource>
+      <inkml:timestamp xml:id="ts0" timeString="2021-06-19T08:08:02.337"/>
+    </inkml:context>
+    <inkml:brush xml:id="br0">
+      <inkml:brushProperty name="width" value="0.05" units="cm"/>
+      <inkml:brushProperty name="height" value="0.05" units="cm"/>
+    </inkml:brush>
+  </inkml:definitions>
+  <inkml:trace contextRef="#ctx0" brushRef="#br0">170 158 22250,'-25'-23'1211,"-114"-109"-175,134 129-847,5 3-277,9 21-235,5-21 1097</inkml:trace>
+</inkml:ink>
+</file>
+
 <file path=ppt/notesMasters/notesMaster1.xml><?xml version="1.0" encoding="utf-8"?>
 <p:notesMaster xmlns:a="http://schemas.openxmlformats.org/drawingml/2006/main" xmlns:r="http://schemas.openxmlformats.org/officeDocument/2006/relationships" xmlns:p="http://schemas.openxmlformats.org/presentationml/2006/main">
   <p:cSld>
@@ -834,7 +888,7 @@
             <a:fld id="{BE16EC8A-0758-4FA9-BF4D-3119057076D1}" type="datetime4">
               <a:rPr lang="ko-KR" altLang="en-US" smtClean="0"/>
               <a:pPr/>
-              <a:t>2021년 6월 16일</a:t>
+              <a:t>2021년 6월 19일</a:t>
             </a:fld>
             <a:endParaRPr lang="ko-KR" altLang="en-US"/>
           </a:p>
@@ -4360,7 +4414,7 @@
           <a:p>
             <a:fld id="{2A5B65E4-62A8-4988-B07B-5D6D443B14ED}" type="datetime4">
               <a:rPr lang="ko-KR" altLang="en-US" smtClean="0"/>
-              <a:t>2021년 6월 16일</a:t>
+              <a:t>2021년 6월 19일</a:t>
             </a:fld>
             <a:endParaRPr lang="ko-KR" altLang="en-US"/>
           </a:p>
@@ -4616,7 +4670,7 @@
           <a:p>
             <a:fld id="{58EB6286-0DE7-4336-9826-977AD102FCF2}" type="datetime4">
               <a:rPr lang="ko-KR" altLang="en-US" noProof="0" smtClean="0"/>
-              <a:t>2021년 6월 16일</a:t>
+              <a:t>2021년 6월 19일</a:t>
             </a:fld>
             <a:endParaRPr lang="ko-KR" altLang="en-US" noProof="0"/>
           </a:p>
@@ -4812,7 +4866,7 @@
             <a:pPr rtl="0"/>
             <a:fld id="{6A5419DA-7218-42E5-A443-F000500111E1}" type="datetime4">
               <a:rPr lang="ko-KR" altLang="en-US" noProof="0" smtClean="0"/>
-              <a:t>2021년 6월 16일</a:t>
+              <a:t>2021년 6월 19일</a:t>
             </a:fld>
             <a:endParaRPr lang="ko-KR" altLang="en-US" noProof="0"/>
           </a:p>
@@ -7213,7 +7267,7 @@
           <a:p>
             <a:fld id="{E498C52F-1DF1-4226-BAB6-C1E2EE4C9D62}" type="datetime4">
               <a:rPr lang="ko-KR" altLang="en-US" noProof="0" smtClean="0"/>
-              <a:t>2021년 6월 16일</a:t>
+              <a:t>2021년 6월 19일</a:t>
             </a:fld>
             <a:endParaRPr lang="ko-KR" altLang="en-US" noProof="0"/>
           </a:p>
@@ -7732,7 +7786,7 @@
           <a:p>
             <a:fld id="{7B1E1FFC-F755-4558-8D3C-A157D1A01A8A}" type="datetime4">
               <a:rPr lang="ko-KR" altLang="en-US" noProof="0" smtClean="0"/>
-              <a:t>2021년 6월 16일</a:t>
+              <a:t>2021년 6월 19일</a:t>
             </a:fld>
             <a:endParaRPr lang="ko-KR" altLang="en-US" noProof="0"/>
           </a:p>
@@ -7876,7 +7930,7 @@
             <a:pPr rtl="0"/>
             <a:fld id="{DA2A33C0-A4A8-4C90-B6DA-35B8CF58C816}" type="datetime4">
               <a:rPr lang="ko-KR" altLang="en-US" noProof="0" smtClean="0"/>
-              <a:t>2021년 6월 16일</a:t>
+              <a:t>2021년 6월 19일</a:t>
             </a:fld>
             <a:endParaRPr lang="ko-KR" altLang="en-US" noProof="0"/>
           </a:p>
@@ -9824,7 +9878,7 @@
           <a:p>
             <a:fld id="{53CB1B8F-A14A-4BE4-A9B9-3B263F04145C}" type="datetime4">
               <a:rPr lang="ko-KR" altLang="en-US" noProof="0" smtClean="0"/>
-              <a:t>2021년 6월 16일</a:t>
+              <a:t>2021년 6월 19일</a:t>
             </a:fld>
             <a:endParaRPr lang="ko-KR" altLang="en-US" noProof="0"/>
           </a:p>
@@ -12121,7 +12175,7 @@
           <a:p>
             <a:fld id="{5B9196A3-957C-4113-A568-B6ED9AEA3D01}" type="datetime4">
               <a:rPr lang="ko-KR" altLang="en-US" noProof="0" smtClean="0"/>
-              <a:t>2021년 6월 16일</a:t>
+              <a:t>2021년 6월 19일</a:t>
             </a:fld>
             <a:endParaRPr lang="ko-KR" altLang="en-US" noProof="0"/>
           </a:p>
@@ -16438,7 +16492,7 @@
           <a:p>
             <a:fld id="{28BEB146-D335-4DA5-9826-58595BCDBE2E}" type="datetime4">
               <a:rPr lang="ko-KR" altLang="en-US" noProof="0" smtClean="0"/>
-              <a:t>2021년 6월 16일</a:t>
+              <a:t>2021년 6월 19일</a:t>
             </a:fld>
             <a:endParaRPr lang="ko-KR" altLang="en-US" noProof="0"/>
           </a:p>
@@ -17929,11 +17983,15 @@
             </a:r>
             <a:r>
               <a:rPr lang="en-US" altLang="ko-KR" dirty="0"/>
-              <a:t>(WAL), </a:t>
-            </a:r>
-            <a:r>
-              <a:rPr lang="ko-KR" altLang="en-US" dirty="0"/>
-              <a:t>조회성능향상</a:t>
+              <a:t>(WAL</a:t>
+            </a:r>
+            <a:r>
+              <a:rPr lang="en-US" altLang="ko-KR"/>
+              <a:t>), UNDO</a:t>
+            </a:r>
+            <a:r>
+              <a:rPr lang="ko-KR" altLang="en-US"/>
+              <a:t> 영역 사용 조회 성능향상</a:t>
             </a:r>
             <a:endParaRPr lang="ko-KR" altLang="en-US" dirty="0">
               <a:latin typeface="맑은 고딕" panose="020B0503020000020004" pitchFamily="50" charset="-127"/>
@@ -18291,6 +18349,108 @@
           </a:p>
         </p:txBody>
       </p:sp>
+      <mc:AlternateContent xmlns:mc="http://schemas.openxmlformats.org/markup-compatibility/2006">
+        <mc:Choice xmlns:p14="http://schemas.microsoft.com/office/powerpoint/2010/main" Requires="p14">
+          <p:contentPart p14:bwMode="auto" r:id="rId3">
+            <p14:nvContentPartPr>
+              <p14:cNvPr id="15" name="잉크 14">
+                <a:extLst>
+                  <a:ext uri="{FF2B5EF4-FFF2-40B4-BE49-F238E27FC236}">
+                    <a16:creationId xmlns:a16="http://schemas.microsoft.com/office/drawing/2014/main" id="{5F1CAFD2-8149-47AF-A2D0-A3004375D369}"/>
+                  </a:ext>
+                </a:extLst>
+              </p14:cNvPr>
+              <p14:cNvContentPartPr/>
+              <p14:nvPr/>
+            </p14:nvContentPartPr>
+            <p14:xfrm>
+              <a:off x="1955580" y="5700307"/>
+              <a:ext cx="15120" cy="228600"/>
+            </p14:xfrm>
+          </p:contentPart>
+        </mc:Choice>
+        <mc:Fallback>
+          <p:pic>
+            <p:nvPicPr>
+              <p:cNvPr id="15" name="잉크 14">
+                <a:extLst>
+                  <a:ext uri="{FF2B5EF4-FFF2-40B4-BE49-F238E27FC236}">
+                    <a16:creationId xmlns:a16="http://schemas.microsoft.com/office/drawing/2014/main" id="{5F1CAFD2-8149-47AF-A2D0-A3004375D369}"/>
+                  </a:ext>
+                </a:extLst>
+              </p:cNvPr>
+              <p:cNvPicPr/>
+              <p:nvPr/>
+            </p:nvPicPr>
+            <p:blipFill>
+              <a:blip r:embed="rId4"/>
+              <a:stretch>
+                <a:fillRect/>
+              </a:stretch>
+            </p:blipFill>
+            <p:spPr>
+              <a:xfrm>
+                <a:off x="1946580" y="5691307"/>
+                <a:ext cx="32760" cy="246240"/>
+              </a:xfrm>
+              <a:prstGeom prst="rect">
+                <a:avLst/>
+              </a:prstGeom>
+            </p:spPr>
+          </p:pic>
+        </mc:Fallback>
+      </mc:AlternateContent>
+      <mc:AlternateContent xmlns:mc="http://schemas.openxmlformats.org/markup-compatibility/2006">
+        <mc:Choice xmlns:p14="http://schemas.microsoft.com/office/powerpoint/2010/main" Requires="p14">
+          <p:contentPart p14:bwMode="auto" r:id="rId5">
+            <p14:nvContentPartPr>
+              <p14:cNvPr id="23" name="잉크 22">
+                <a:extLst>
+                  <a:ext uri="{FF2B5EF4-FFF2-40B4-BE49-F238E27FC236}">
+                    <a16:creationId xmlns:a16="http://schemas.microsoft.com/office/drawing/2014/main" id="{BA44D784-EF4D-4DE5-957F-44A98A8B1FF7}"/>
+                  </a:ext>
+                </a:extLst>
+              </p14:cNvPr>
+              <p14:cNvContentPartPr/>
+              <p14:nvPr/>
+            </p14:nvContentPartPr>
+            <p14:xfrm>
+              <a:off x="6857700" y="6854827"/>
+              <a:ext cx="61560" cy="57240"/>
+            </p14:xfrm>
+          </p:contentPart>
+        </mc:Choice>
+        <mc:Fallback>
+          <p:pic>
+            <p:nvPicPr>
+              <p:cNvPr id="23" name="잉크 22">
+                <a:extLst>
+                  <a:ext uri="{FF2B5EF4-FFF2-40B4-BE49-F238E27FC236}">
+                    <a16:creationId xmlns:a16="http://schemas.microsoft.com/office/drawing/2014/main" id="{BA44D784-EF4D-4DE5-957F-44A98A8B1FF7}"/>
+                  </a:ext>
+                </a:extLst>
+              </p:cNvPr>
+              <p:cNvPicPr/>
+              <p:nvPr/>
+            </p:nvPicPr>
+            <p:blipFill>
+              <a:blip r:embed="rId6"/>
+              <a:stretch>
+                <a:fillRect/>
+              </a:stretch>
+            </p:blipFill>
+            <p:spPr>
+              <a:xfrm>
+                <a:off x="6849060" y="6845827"/>
+                <a:ext cx="79200" cy="74880"/>
+              </a:xfrm>
+              <a:prstGeom prst="rect">
+                <a:avLst/>
+              </a:prstGeom>
+            </p:spPr>
+          </p:pic>
+        </mc:Fallback>
+      </mc:AlternateContent>
     </p:spTree>
     <p:extLst>
       <p:ext uri="{BB962C8B-B14F-4D97-AF65-F5344CB8AC3E}">
@@ -18765,7 +18925,7 @@
         </p:nvSpPr>
         <p:spPr>
           <a:xfrm>
-            <a:off x="4960882" y="4752864"/>
+            <a:off x="2540024" y="4733128"/>
             <a:ext cx="3176510" cy="1200329"/>
           </a:xfrm>
           <a:prstGeom prst="rect">

--- a/inflearn03/doc/3.1 DBMS는서비스의일관성과무결성그리고영속성을위해사용합니다.pptx
+++ b/inflearn03/doc/3.1 DBMS는서비스의일관성과무결성그리고영속성을위해사용합니다.pptx
@@ -5,24 +5,26 @@
     <p:sldMasterId id="2147483648" r:id="rId1"/>
   </p:sldMasterIdLst>
   <p:notesMasterIdLst>
-    <p:notesMasterId r:id="rId14"/>
+    <p:notesMasterId r:id="rId16"/>
   </p:notesMasterIdLst>
   <p:handoutMasterIdLst>
-    <p:handoutMasterId r:id="rId15"/>
+    <p:handoutMasterId r:id="rId17"/>
   </p:handoutMasterIdLst>
   <p:sldIdLst>
     <p:sldId id="261" r:id="rId2"/>
-    <p:sldId id="271" r:id="rId3"/>
-    <p:sldId id="257" r:id="rId4"/>
-    <p:sldId id="285" r:id="rId5"/>
-    <p:sldId id="280" r:id="rId6"/>
+    <p:sldId id="286" r:id="rId3"/>
+    <p:sldId id="271" r:id="rId4"/>
+    <p:sldId id="257" r:id="rId5"/>
+    <p:sldId id="285" r:id="rId6"/>
     <p:sldId id="275" r:id="rId7"/>
-    <p:sldId id="272" r:id="rId8"/>
-    <p:sldId id="282" r:id="rId9"/>
-    <p:sldId id="274" r:id="rId10"/>
-    <p:sldId id="283" r:id="rId11"/>
-    <p:sldId id="279" r:id="rId12"/>
-    <p:sldId id="276" r:id="rId13"/>
+    <p:sldId id="288" r:id="rId8"/>
+    <p:sldId id="290" r:id="rId9"/>
+    <p:sldId id="291" r:id="rId10"/>
+    <p:sldId id="274" r:id="rId11"/>
+    <p:sldId id="283" r:id="rId12"/>
+    <p:sldId id="292" r:id="rId13"/>
+    <p:sldId id="287" r:id="rId14"/>
+    <p:sldId id="276" r:id="rId15"/>
   </p:sldIdLst>
   <p:sldSz cx="12192000" cy="6858000"/>
   <p:notesSz cx="6858000" cy="9144000"/>
@@ -648,7 +650,7 @@
                 <a:latin typeface="맑은 고딕" panose="020B0503020000020004" pitchFamily="50" charset="-127"/>
                 <a:ea typeface="맑은 고딕" panose="020B0503020000020004" pitchFamily="50" charset="-127"/>
               </a:rPr>
-              <a:t>2021년 6월 19일</a:t>
+              <a:t>2021년 6월 25일</a:t>
             </a:fld>
             <a:endParaRPr lang="ko-KR" altLang="en-US">
               <a:latin typeface="맑은 고딕" panose="020B0503020000020004" pitchFamily="50" charset="-127"/>
@@ -743,60 +745,6 @@
   </p:cSld>
   <p:clrMap bg1="lt1" tx1="dk1" bg2="lt2" tx2="dk2" accent1="accent1" accent2="accent2" accent3="accent3" accent4="accent4" accent5="accent5" accent6="accent6" hlink="hlink" folHlink="folHlink"/>
 </p:handoutMaster>
-</file>
-
-<file path=ppt/ink/ink1.xml><?xml version="1.0" encoding="utf-8"?>
-<inkml:ink xmlns:inkml="http://www.w3.org/2003/InkML">
-  <inkml:definitions>
-    <inkml:context xml:id="ctx0">
-      <inkml:inkSource xml:id="inkSrc0">
-        <inkml:traceFormat>
-          <inkml:channel name="X" type="integer" min="-2.14748E9" max="2.14748E9" units="cm"/>
-          <inkml:channel name="Y" type="integer" min="-2.14748E9" max="2.14748E9" units="cm"/>
-          <inkml:channel name="F" type="integer" max="32767" units="dev"/>
-        </inkml:traceFormat>
-        <inkml:channelProperties>
-          <inkml:channelProperty channel="X" name="resolution" value="1000" units="1/cm"/>
-          <inkml:channelProperty channel="Y" name="resolution" value="1000" units="1/cm"/>
-          <inkml:channelProperty channel="F" name="resolution" value="0" units="1/dev"/>
-        </inkml:channelProperties>
-      </inkml:inkSource>
-      <inkml:timestamp xml:id="ts0" timeString="2021-06-19T08:07:37.548"/>
-    </inkml:context>
-    <inkml:brush xml:id="br0">
-      <inkml:brushProperty name="width" value="0.05" units="cm"/>
-      <inkml:brushProperty name="height" value="0.05" units="cm"/>
-    </inkml:brush>
-  </inkml:definitions>
-  <inkml:trace contextRef="#ctx0" brushRef="#br0">0 634 832,'0'0'0,"0"-210"0,0 85-480,17-13 128,8-23 352</inkml:trace>
-</inkml:ink>
-</file>
-
-<file path=ppt/ink/ink2.xml><?xml version="1.0" encoding="utf-8"?>
-<inkml:ink xmlns:inkml="http://www.w3.org/2003/InkML">
-  <inkml:definitions>
-    <inkml:context xml:id="ctx0">
-      <inkml:inkSource xml:id="inkSrc0">
-        <inkml:traceFormat>
-          <inkml:channel name="X" type="integer" min="-2.14748E9" max="2.14748E9" units="cm"/>
-          <inkml:channel name="Y" type="integer" min="-2.14748E9" max="2.14748E9" units="cm"/>
-          <inkml:channel name="F" type="integer" max="32767" units="dev"/>
-        </inkml:traceFormat>
-        <inkml:channelProperties>
-          <inkml:channelProperty channel="X" name="resolution" value="1000" units="1/cm"/>
-          <inkml:channelProperty channel="Y" name="resolution" value="1000" units="1/cm"/>
-          <inkml:channelProperty channel="F" name="resolution" value="0" units="1/dev"/>
-        </inkml:channelProperties>
-      </inkml:inkSource>
-      <inkml:timestamp xml:id="ts0" timeString="2021-06-19T08:08:02.337"/>
-    </inkml:context>
-    <inkml:brush xml:id="br0">
-      <inkml:brushProperty name="width" value="0.05" units="cm"/>
-      <inkml:brushProperty name="height" value="0.05" units="cm"/>
-    </inkml:brush>
-  </inkml:definitions>
-  <inkml:trace contextRef="#ctx0" brushRef="#br0">170 158 22250,'-25'-23'1211,"-114"-109"-175,134 129-847,5 3-277,9 21-235,5-21 1097</inkml:trace>
-</inkml:ink>
 </file>
 
 <file path=ppt/notesMasters/notesMaster1.xml><?xml version="1.0" encoding="utf-8"?>
@@ -888,7 +836,7 @@
             <a:fld id="{BE16EC8A-0758-4FA9-BF4D-3119057076D1}" type="datetime4">
               <a:rPr lang="ko-KR" altLang="en-US" smtClean="0"/>
               <a:pPr/>
-              <a:t>2021년 6월 19일</a:t>
+              <a:t>2021년 6월 25일</a:t>
             </a:fld>
             <a:endParaRPr lang="ko-KR" altLang="en-US"/>
           </a:p>
@@ -1346,7 +1294,7 @@
     </p:spTree>
     <p:extLst>
       <p:ext uri="{BB962C8B-B14F-4D97-AF65-F5344CB8AC3E}">
-        <p14:creationId xmlns:p14="http://schemas.microsoft.com/office/powerpoint/2010/main" val="2623719863"/>
+        <p14:creationId xmlns:p14="http://schemas.microsoft.com/office/powerpoint/2010/main" val="1938755788"/>
       </p:ext>
     </p:extLst>
   </p:cSld>
@@ -1430,6 +1378,196 @@
                 <a:ea typeface="맑은 고딕" panose="020B0503020000020004" pitchFamily="50" charset="-127"/>
               </a:rPr>
               <a:t>12</a:t>
+            </a:fld>
+            <a:endParaRPr lang="ko-KR" altLang="en-US">
+              <a:latin typeface="맑은 고딕" panose="020B0503020000020004" pitchFamily="50" charset="-127"/>
+              <a:ea typeface="맑은 고딕" panose="020B0503020000020004" pitchFamily="50" charset="-127"/>
+            </a:endParaRPr>
+          </a:p>
+        </p:txBody>
+      </p:sp>
+    </p:spTree>
+    <p:extLst>
+      <p:ext uri="{BB962C8B-B14F-4D97-AF65-F5344CB8AC3E}">
+        <p14:creationId xmlns:p14="http://schemas.microsoft.com/office/powerpoint/2010/main" val="64907283"/>
+      </p:ext>
+    </p:extLst>
+  </p:cSld>
+  <p:clrMapOvr>
+    <a:masterClrMapping/>
+  </p:clrMapOvr>
+</p:notes>
+</file>
+
+<file path=ppt/notesSlides/notesSlide12.xml><?xml version="1.0" encoding="utf-8"?>
+<p:notes xmlns:a="http://schemas.openxmlformats.org/drawingml/2006/main" xmlns:r="http://schemas.openxmlformats.org/officeDocument/2006/relationships" xmlns:p="http://schemas.openxmlformats.org/presentationml/2006/main">
+  <p:cSld>
+    <p:spTree>
+      <p:nvGrpSpPr>
+        <p:cNvPr id="1" name=""/>
+        <p:cNvGrpSpPr/>
+        <p:nvPr/>
+      </p:nvGrpSpPr>
+      <p:grpSpPr>
+        <a:xfrm>
+          <a:off x="0" y="0"/>
+          <a:ext cx="0" cy="0"/>
+          <a:chOff x="0" y="0"/>
+          <a:chExt cx="0" cy="0"/>
+        </a:xfrm>
+      </p:grpSpPr>
+      <p:sp>
+        <p:nvSpPr>
+          <p:cNvPr id="2" name="슬라이드 이미지 개체 틀 1"/>
+          <p:cNvSpPr>
+            <a:spLocks noGrp="1" noRot="1" noChangeAspect="1"/>
+          </p:cNvSpPr>
+          <p:nvPr>
+            <p:ph type="sldImg"/>
+          </p:nvPr>
+        </p:nvSpPr>
+        <p:spPr/>
+      </p:sp>
+      <p:sp>
+        <p:nvSpPr>
+          <p:cNvPr id="3" name="슬라이드 노트 개체 틀 2"/>
+          <p:cNvSpPr>
+            <a:spLocks noGrp="1"/>
+          </p:cNvSpPr>
+          <p:nvPr>
+            <p:ph type="body" idx="1"/>
+          </p:nvPr>
+        </p:nvSpPr>
+        <p:spPr/>
+        <p:txBody>
+          <a:bodyPr rtlCol="0"/>
+          <a:lstStyle/>
+          <a:p>
+            <a:pPr rtl="0"/>
+            <a:endParaRPr lang="ko-KR" altLang="en-US">
+              <a:latin typeface="맑은 고딕" panose="020B0503020000020004" pitchFamily="50" charset="-127"/>
+              <a:ea typeface="맑은 고딕" panose="020B0503020000020004" pitchFamily="50" charset="-127"/>
+            </a:endParaRPr>
+          </a:p>
+        </p:txBody>
+      </p:sp>
+      <p:sp>
+        <p:nvSpPr>
+          <p:cNvPr id="4" name="슬라이드 번호 개체 틀 3"/>
+          <p:cNvSpPr>
+            <a:spLocks noGrp="1"/>
+          </p:cNvSpPr>
+          <p:nvPr>
+            <p:ph type="sldNum" sz="quarter" idx="10"/>
+          </p:nvPr>
+        </p:nvSpPr>
+        <p:spPr/>
+        <p:txBody>
+          <a:bodyPr rtlCol="0"/>
+          <a:lstStyle/>
+          <a:p>
+            <a:pPr rtl="0"/>
+            <a:fld id="{82869989-EB00-4EE7-BCB5-25BDC5BB29F8}" type="slidenum">
+              <a:rPr lang="en-US" altLang="ko-KR" smtClean="0">
+                <a:latin typeface="맑은 고딕" panose="020B0503020000020004" pitchFamily="50" charset="-127"/>
+                <a:ea typeface="맑은 고딕" panose="020B0503020000020004" pitchFamily="50" charset="-127"/>
+              </a:rPr>
+              <a:t>13</a:t>
+            </a:fld>
+            <a:endParaRPr lang="ko-KR" altLang="en-US">
+              <a:latin typeface="맑은 고딕" panose="020B0503020000020004" pitchFamily="50" charset="-127"/>
+              <a:ea typeface="맑은 고딕" panose="020B0503020000020004" pitchFamily="50" charset="-127"/>
+            </a:endParaRPr>
+          </a:p>
+        </p:txBody>
+      </p:sp>
+    </p:spTree>
+    <p:extLst>
+      <p:ext uri="{BB962C8B-B14F-4D97-AF65-F5344CB8AC3E}">
+        <p14:creationId xmlns:p14="http://schemas.microsoft.com/office/powerpoint/2010/main" val="4292989531"/>
+      </p:ext>
+    </p:extLst>
+  </p:cSld>
+  <p:clrMapOvr>
+    <a:masterClrMapping/>
+  </p:clrMapOvr>
+</p:notes>
+</file>
+
+<file path=ppt/notesSlides/notesSlide13.xml><?xml version="1.0" encoding="utf-8"?>
+<p:notes xmlns:a="http://schemas.openxmlformats.org/drawingml/2006/main" xmlns:r="http://schemas.openxmlformats.org/officeDocument/2006/relationships" xmlns:p="http://schemas.openxmlformats.org/presentationml/2006/main">
+  <p:cSld>
+    <p:spTree>
+      <p:nvGrpSpPr>
+        <p:cNvPr id="1" name=""/>
+        <p:cNvGrpSpPr/>
+        <p:nvPr/>
+      </p:nvGrpSpPr>
+      <p:grpSpPr>
+        <a:xfrm>
+          <a:off x="0" y="0"/>
+          <a:ext cx="0" cy="0"/>
+          <a:chOff x="0" y="0"/>
+          <a:chExt cx="0" cy="0"/>
+        </a:xfrm>
+      </p:grpSpPr>
+      <p:sp>
+        <p:nvSpPr>
+          <p:cNvPr id="2" name="슬라이드 이미지 개체 틀 1"/>
+          <p:cNvSpPr>
+            <a:spLocks noGrp="1" noRot="1" noChangeAspect="1"/>
+          </p:cNvSpPr>
+          <p:nvPr>
+            <p:ph type="sldImg"/>
+          </p:nvPr>
+        </p:nvSpPr>
+        <p:spPr/>
+      </p:sp>
+      <p:sp>
+        <p:nvSpPr>
+          <p:cNvPr id="3" name="슬라이드 노트 개체 틀 2"/>
+          <p:cNvSpPr>
+            <a:spLocks noGrp="1"/>
+          </p:cNvSpPr>
+          <p:nvPr>
+            <p:ph type="body" idx="1"/>
+          </p:nvPr>
+        </p:nvSpPr>
+        <p:spPr/>
+        <p:txBody>
+          <a:bodyPr rtlCol="0"/>
+          <a:lstStyle/>
+          <a:p>
+            <a:pPr rtl="0"/>
+            <a:endParaRPr lang="ko-KR" altLang="en-US">
+              <a:latin typeface="맑은 고딕" panose="020B0503020000020004" pitchFamily="50" charset="-127"/>
+              <a:ea typeface="맑은 고딕" panose="020B0503020000020004" pitchFamily="50" charset="-127"/>
+            </a:endParaRPr>
+          </a:p>
+        </p:txBody>
+      </p:sp>
+      <p:sp>
+        <p:nvSpPr>
+          <p:cNvPr id="4" name="슬라이드 번호 개체 틀 3"/>
+          <p:cNvSpPr>
+            <a:spLocks noGrp="1"/>
+          </p:cNvSpPr>
+          <p:nvPr>
+            <p:ph type="sldNum" sz="quarter" idx="10"/>
+          </p:nvPr>
+        </p:nvSpPr>
+        <p:spPr/>
+        <p:txBody>
+          <a:bodyPr rtlCol="0"/>
+          <a:lstStyle/>
+          <a:p>
+            <a:pPr rtl="0"/>
+            <a:fld id="{82869989-EB00-4EE7-BCB5-25BDC5BB29F8}" type="slidenum">
+              <a:rPr lang="en-US" altLang="ko-KR" smtClean="0">
+                <a:latin typeface="맑은 고딕" panose="020B0503020000020004" pitchFamily="50" charset="-127"/>
+                <a:ea typeface="맑은 고딕" panose="020B0503020000020004" pitchFamily="50" charset="-127"/>
+              </a:rPr>
+              <a:t>14</a:t>
             </a:fld>
             <a:endParaRPr lang="ko-KR" altLang="en-US">
               <a:latin typeface="맑은 고딕" panose="020B0503020000020004" pitchFamily="50" charset="-127"/>
@@ -1524,7 +1662,7 @@
                 <a:latin typeface="맑은 고딕" panose="020B0503020000020004" pitchFamily="50" charset="-127"/>
                 <a:ea typeface="맑은 고딕" panose="020B0503020000020004" pitchFamily="50" charset="-127"/>
               </a:rPr>
-              <a:t>3</a:t>
+              <a:t>2</a:t>
             </a:fld>
             <a:endParaRPr lang="ko-KR" altLang="en-US">
               <a:latin typeface="맑은 고딕" panose="020B0503020000020004" pitchFamily="50" charset="-127"/>
@@ -1536,7 +1674,7 @@
     </p:spTree>
     <p:extLst>
       <p:ext uri="{BB962C8B-B14F-4D97-AF65-F5344CB8AC3E}">
-        <p14:creationId xmlns:p14="http://schemas.microsoft.com/office/powerpoint/2010/main" val="1980303916"/>
+        <p14:creationId xmlns:p14="http://schemas.microsoft.com/office/powerpoint/2010/main" val="239757243"/>
       </p:ext>
     </p:extLst>
   </p:cSld>
@@ -1631,7 +1769,7 @@
     </p:spTree>
     <p:extLst>
       <p:ext uri="{BB962C8B-B14F-4D97-AF65-F5344CB8AC3E}">
-        <p14:creationId xmlns:p14="http://schemas.microsoft.com/office/powerpoint/2010/main" val="861706756"/>
+        <p14:creationId xmlns:p14="http://schemas.microsoft.com/office/powerpoint/2010/main" val="1980303916"/>
       </p:ext>
     </p:extLst>
   </p:cSld>
@@ -1726,7 +1864,7 @@
     </p:spTree>
     <p:extLst>
       <p:ext uri="{BB962C8B-B14F-4D97-AF65-F5344CB8AC3E}">
-        <p14:creationId xmlns:p14="http://schemas.microsoft.com/office/powerpoint/2010/main" val="4126416474"/>
+        <p14:creationId xmlns:p14="http://schemas.microsoft.com/office/powerpoint/2010/main" val="861706756"/>
       </p:ext>
     </p:extLst>
   </p:cSld>
@@ -1916,7 +2054,7 @@
     </p:spTree>
     <p:extLst>
       <p:ext uri="{BB962C8B-B14F-4D97-AF65-F5344CB8AC3E}">
-        <p14:creationId xmlns:p14="http://schemas.microsoft.com/office/powerpoint/2010/main" val="2008420633"/>
+        <p14:creationId xmlns:p14="http://schemas.microsoft.com/office/powerpoint/2010/main" val="2898461086"/>
       </p:ext>
     </p:extLst>
   </p:cSld>
@@ -2011,7 +2149,7 @@
     </p:spTree>
     <p:extLst>
       <p:ext uri="{BB962C8B-B14F-4D97-AF65-F5344CB8AC3E}">
-        <p14:creationId xmlns:p14="http://schemas.microsoft.com/office/powerpoint/2010/main" val="2382128774"/>
+        <p14:creationId xmlns:p14="http://schemas.microsoft.com/office/powerpoint/2010/main" val="1686843994"/>
       </p:ext>
     </p:extLst>
   </p:cSld>
@@ -2106,7 +2244,7 @@
     </p:spTree>
     <p:extLst>
       <p:ext uri="{BB962C8B-B14F-4D97-AF65-F5344CB8AC3E}">
-        <p14:creationId xmlns:p14="http://schemas.microsoft.com/office/powerpoint/2010/main" val="1177557361"/>
+        <p14:creationId xmlns:p14="http://schemas.microsoft.com/office/powerpoint/2010/main" val="1086244967"/>
       </p:ext>
     </p:extLst>
   </p:cSld>
@@ -2201,7 +2339,7 @@
     </p:spTree>
     <p:extLst>
       <p:ext uri="{BB962C8B-B14F-4D97-AF65-F5344CB8AC3E}">
-        <p14:creationId xmlns:p14="http://schemas.microsoft.com/office/powerpoint/2010/main" val="1938755788"/>
+        <p14:creationId xmlns:p14="http://schemas.microsoft.com/office/powerpoint/2010/main" val="1177557361"/>
       </p:ext>
     </p:extLst>
   </p:cSld>
@@ -4414,7 +4552,7 @@
           <a:p>
             <a:fld id="{2A5B65E4-62A8-4988-B07B-5D6D443B14ED}" type="datetime4">
               <a:rPr lang="ko-KR" altLang="en-US" smtClean="0"/>
-              <a:t>2021년 6월 19일</a:t>
+              <a:t>2021년 6월 25일</a:t>
             </a:fld>
             <a:endParaRPr lang="ko-KR" altLang="en-US"/>
           </a:p>
@@ -4670,7 +4808,7 @@
           <a:p>
             <a:fld id="{58EB6286-0DE7-4336-9826-977AD102FCF2}" type="datetime4">
               <a:rPr lang="ko-KR" altLang="en-US" noProof="0" smtClean="0"/>
-              <a:t>2021년 6월 19일</a:t>
+              <a:t>2021년 6월 25일</a:t>
             </a:fld>
             <a:endParaRPr lang="ko-KR" altLang="en-US" noProof="0"/>
           </a:p>
@@ -4866,7 +5004,7 @@
             <a:pPr rtl="0"/>
             <a:fld id="{6A5419DA-7218-42E5-A443-F000500111E1}" type="datetime4">
               <a:rPr lang="ko-KR" altLang="en-US" noProof="0" smtClean="0"/>
-              <a:t>2021년 6월 19일</a:t>
+              <a:t>2021년 6월 25일</a:t>
             </a:fld>
             <a:endParaRPr lang="ko-KR" altLang="en-US" noProof="0"/>
           </a:p>
@@ -7267,7 +7405,7 @@
           <a:p>
             <a:fld id="{E498C52F-1DF1-4226-BAB6-C1E2EE4C9D62}" type="datetime4">
               <a:rPr lang="ko-KR" altLang="en-US" noProof="0" smtClean="0"/>
-              <a:t>2021년 6월 19일</a:t>
+              <a:t>2021년 6월 25일</a:t>
             </a:fld>
             <a:endParaRPr lang="ko-KR" altLang="en-US" noProof="0"/>
           </a:p>
@@ -7786,7 +7924,7 @@
           <a:p>
             <a:fld id="{7B1E1FFC-F755-4558-8D3C-A157D1A01A8A}" type="datetime4">
               <a:rPr lang="ko-KR" altLang="en-US" noProof="0" smtClean="0"/>
-              <a:t>2021년 6월 19일</a:t>
+              <a:t>2021년 6월 25일</a:t>
             </a:fld>
             <a:endParaRPr lang="ko-KR" altLang="en-US" noProof="0"/>
           </a:p>
@@ -7930,7 +8068,7 @@
             <a:pPr rtl="0"/>
             <a:fld id="{DA2A33C0-A4A8-4C90-B6DA-35B8CF58C816}" type="datetime4">
               <a:rPr lang="ko-KR" altLang="en-US" noProof="0" smtClean="0"/>
-              <a:t>2021년 6월 19일</a:t>
+              <a:t>2021년 6월 25일</a:t>
             </a:fld>
             <a:endParaRPr lang="ko-KR" altLang="en-US" noProof="0"/>
           </a:p>
@@ -9878,7 +10016,7 @@
           <a:p>
             <a:fld id="{53CB1B8F-A14A-4BE4-A9B9-3B263F04145C}" type="datetime4">
               <a:rPr lang="ko-KR" altLang="en-US" noProof="0" smtClean="0"/>
-              <a:t>2021년 6월 19일</a:t>
+              <a:t>2021년 6월 25일</a:t>
             </a:fld>
             <a:endParaRPr lang="ko-KR" altLang="en-US" noProof="0"/>
           </a:p>
@@ -12175,7 +12313,7 @@
           <a:p>
             <a:fld id="{5B9196A3-957C-4113-A568-B6ED9AEA3D01}" type="datetime4">
               <a:rPr lang="ko-KR" altLang="en-US" noProof="0" smtClean="0"/>
-              <a:t>2021년 6월 19일</a:t>
+              <a:t>2021년 6월 25일</a:t>
             </a:fld>
             <a:endParaRPr lang="ko-KR" altLang="en-US" noProof="0"/>
           </a:p>
@@ -16492,7 +16630,7 @@
           <a:p>
             <a:fld id="{28BEB146-D335-4DA5-9826-58595BCDBE2E}" type="datetime4">
               <a:rPr lang="ko-KR" altLang="en-US" noProof="0" smtClean="0"/>
-              <a:t>2021년 6월 19일</a:t>
+              <a:t>2021년 6월 25일</a:t>
             </a:fld>
             <a:endParaRPr lang="ko-KR" altLang="en-US" noProof="0"/>
           </a:p>
@@ -17110,32 +17248,14 @@
                 <a:latin typeface="맑은 고딕" panose="020B0503020000020004" pitchFamily="50" charset="-127"/>
                 <a:ea typeface="맑은 고딕" panose="020B0503020000020004" pitchFamily="50" charset="-127"/>
               </a:rPr>
-              <a:t>SQL </a:t>
+              <a:t>2) SQL </a:t>
             </a:r>
             <a:r>
               <a:rPr lang="ko-KR" altLang="en-US">
                 <a:latin typeface="맑은 고딕" panose="020B0503020000020004" pitchFamily="50" charset="-127"/>
                 <a:ea typeface="맑은 고딕" panose="020B0503020000020004" pitchFamily="50" charset="-127"/>
               </a:rPr>
-              <a:t>기능 </a:t>
-            </a:r>
-            <a:r>
-              <a:rPr lang="en-US" altLang="ko-KR"/>
-              <a:t>– </a:t>
-            </a:r>
-            <a:r>
-              <a:rPr lang="en-US" altLang="ko-KR">
-                <a:latin typeface="맑은 고딕" panose="020B0503020000020004" pitchFamily="50" charset="-127"/>
-                <a:ea typeface="맑은 고딕" panose="020B0503020000020004" pitchFamily="50" charset="-127"/>
-              </a:rPr>
-              <a:t>SQL </a:t>
-            </a:r>
-            <a:r>
-              <a:rPr lang="ko-KR" altLang="en-US">
-                <a:latin typeface="맑은 고딕" panose="020B0503020000020004" pitchFamily="50" charset="-127"/>
-                <a:ea typeface="맑은 고딕" panose="020B0503020000020004" pitchFamily="50" charset="-127"/>
-              </a:rPr>
-              <a:t>결과</a:t>
+              <a:t>실행 기능 개발</a:t>
             </a:r>
             <a:endParaRPr lang="ko-KR" altLang="en-US" dirty="0">
               <a:latin typeface="맑은 고딕" panose="020B0503020000020004" pitchFamily="50" charset="-127"/>
@@ -17166,102 +17286,116 @@
           <a:lstStyle/>
           <a:p>
             <a:r>
-              <a:rPr lang="en-US" altLang="ko-KR" dirty="0"/>
-              <a:t>SQL </a:t>
-            </a:r>
-            <a:r>
-              <a:rPr lang="ko-KR" altLang="en-US" dirty="0"/>
-              <a:t>결과</a:t>
+              <a:rPr lang="en-US" altLang="ko-KR"/>
+              <a:t>SqlRunner.java</a:t>
             </a:r>
             <a:endParaRPr lang="en-US" altLang="ko-KR" dirty="0"/>
           </a:p>
           <a:p>
             <a:pPr lvl="1"/>
             <a:r>
-              <a:rPr lang="en-US" altLang="ko-KR" dirty="0"/>
-              <a:t>SELECT SQL </a:t>
-            </a:r>
+              <a:rPr lang="en-US" altLang="ko-KR"/>
+              <a:t>getTable(Transaction transaction, Box box, String key)</a:t>
+            </a:r>
+          </a:p>
+          <a:p>
+            <a:pPr lvl="2"/>
             <a:r>
               <a:rPr lang="ko-KR" altLang="en-US"/>
-              <a:t>결과 </a:t>
+              <a:t>실행결과 </a:t>
             </a:r>
             <a:r>
               <a:rPr lang="en-US" altLang="ko-KR"/>
-              <a:t>TABLE</a:t>
+              <a:t>Table</a:t>
             </a:r>
           </a:p>
           <a:p>
             <a:pPr lvl="1"/>
             <a:r>
               <a:rPr lang="en-US" altLang="ko-KR"/>
-              <a:t>INSERT </a:t>
-            </a:r>
-            <a:r>
-              <a:rPr lang="en-US" altLang="ko-KR" dirty="0"/>
-              <a:t>/ UPDATE / DELETE </a:t>
-            </a:r>
-            <a:r>
-              <a:rPr lang="ko-KR" altLang="en-US" dirty="0"/>
-              <a:t>결과 </a:t>
-            </a:r>
-            <a:r>
-              <a:rPr lang="en-US" altLang="ko-KR" dirty="0"/>
-              <a:t>int</a:t>
-            </a:r>
+              <a:t>executeSql(Transaction transaction, Box box, String key)</a:t>
+            </a:r>
+          </a:p>
+          <a:p>
+            <a:pPr lvl="2"/>
+            <a:r>
+              <a:rPr lang="ko-KR" altLang="en-US"/>
+              <a:t>실행결과 </a:t>
+            </a:r>
+            <a:r>
+              <a:rPr lang="en-US" altLang="ko-KR"/>
+              <a:t>int </a:t>
+            </a:r>
+          </a:p>
+          <a:p>
+            <a:pPr lvl="1"/>
+            <a:r>
+              <a:rPr lang="ko-KR" altLang="en-US">
+                <a:solidFill>
+                  <a:srgbClr val="FF0000"/>
+                </a:solidFill>
+              </a:rPr>
+              <a:t>정적 </a:t>
+            </a:r>
+            <a:r>
+              <a:rPr lang="en-US" altLang="ko-KR">
+                <a:solidFill>
+                  <a:srgbClr val="FF0000"/>
+                </a:solidFill>
+              </a:rPr>
+              <a:t>SQL</a:t>
+            </a:r>
+            <a:r>
+              <a:rPr lang="ko-KR" altLang="en-US">
+                <a:solidFill>
+                  <a:srgbClr val="FF0000"/>
+                </a:solidFill>
+              </a:rPr>
+              <a:t>의 성능의 장점과</a:t>
+            </a:r>
+            <a:br>
+              <a:rPr lang="en-US" altLang="ko-KR">
+                <a:solidFill>
+                  <a:srgbClr val="FF0000"/>
+                </a:solidFill>
+              </a:rPr>
+            </a:br>
+            <a:r>
+              <a:rPr lang="ko-KR" altLang="en-US">
+                <a:solidFill>
+                  <a:srgbClr val="FF0000"/>
+                </a:solidFill>
+              </a:rPr>
+              <a:t>동적 </a:t>
+            </a:r>
+            <a:r>
+              <a:rPr lang="en-US" altLang="ko-KR">
+                <a:solidFill>
+                  <a:srgbClr val="FF0000"/>
+                </a:solidFill>
+              </a:rPr>
+              <a:t>SQL</a:t>
+            </a:r>
+            <a:r>
+              <a:rPr lang="ko-KR" altLang="en-US">
+                <a:solidFill>
+                  <a:srgbClr val="FF0000"/>
+                </a:solidFill>
+              </a:rPr>
+              <a:t>의 구현 유현함의 장점을 흡수</a:t>
+            </a:r>
+            <a:endParaRPr lang="en-US" altLang="ko-KR" dirty="0">
+              <a:solidFill>
+                <a:srgbClr val="FF0000"/>
+              </a:solidFill>
+            </a:endParaRPr>
           </a:p>
         </p:txBody>
       </p:sp>
-      <p:pic>
-        <p:nvPicPr>
-          <p:cNvPr id="4" name="Picture 2">
-            <a:extLst>
-              <a:ext uri="{FF2B5EF4-FFF2-40B4-BE49-F238E27FC236}">
-                <a16:creationId xmlns:a16="http://schemas.microsoft.com/office/drawing/2014/main" id="{B1713E50-6DA5-48FF-95C8-29B69712C9A1}"/>
-              </a:ext>
-            </a:extLst>
-          </p:cNvPr>
-          <p:cNvPicPr>
-            <a:picLocks noChangeAspect="1" noChangeArrowheads="1"/>
-          </p:cNvPicPr>
-          <p:nvPr/>
-        </p:nvPicPr>
-        <p:blipFill>
-          <a:blip r:embed="rId3">
-            <a:extLst>
-              <a:ext uri="{28A0092B-C50C-407E-A947-70E740481C1C}">
-                <a14:useLocalDpi xmlns:a14="http://schemas.microsoft.com/office/drawing/2010/main" val="0"/>
-              </a:ext>
-            </a:extLst>
-          </a:blip>
-          <a:srcRect/>
-          <a:stretch>
-            <a:fillRect/>
-          </a:stretch>
-        </p:blipFill>
-        <p:spPr bwMode="auto">
-          <a:xfrm>
-            <a:off x="2093306" y="3251366"/>
-            <a:ext cx="5676144" cy="2539834"/>
-          </a:xfrm>
-          <a:prstGeom prst="rect">
-            <a:avLst/>
-          </a:prstGeom>
-          <a:noFill/>
-          <a:extLst>
-            <a:ext uri="{909E8E84-426E-40DD-AFC4-6F175D3DCCD1}">
-              <a14:hiddenFill xmlns:a14="http://schemas.microsoft.com/office/drawing/2010/main">
-                <a:solidFill>
-                  <a:srgbClr val="FFFFFF"/>
-                </a:solidFill>
-              </a14:hiddenFill>
-            </a:ext>
-          </a:extLst>
-        </p:spPr>
-      </p:pic>
     </p:spTree>
     <p:extLst>
       <p:ext uri="{BB962C8B-B14F-4D97-AF65-F5344CB8AC3E}">
-        <p14:creationId xmlns:p14="http://schemas.microsoft.com/office/powerpoint/2010/main" val="2392204457"/>
+        <p14:creationId xmlns:p14="http://schemas.microsoft.com/office/powerpoint/2010/main" val="4145999854"/>
       </p:ext>
     </p:extLst>
   </p:cSld>
@@ -17317,18 +17451,20 @@
           <a:p>
             <a:pPr rtl="0"/>
             <a:r>
-              <a:rPr lang="en-US" altLang="ko-KR"/>
-              <a:t>SQL </a:t>
-            </a:r>
-            <a:r>
-              <a:rPr lang="ko-KR" altLang="en-US"/>
-              <a:t>의존 문제를 해결합니다</a:t>
-            </a:r>
-            <a:r>
-              <a:rPr lang="en-US" altLang="ko-KR"/>
-              <a:t>.</a:t>
-            </a:r>
-            <a:endParaRPr lang="ko-KR" altLang="en-US">
+              <a:rPr lang="en-US" altLang="ko-KR">
+                <a:latin typeface="맑은 고딕" panose="020B0503020000020004" pitchFamily="50" charset="-127"/>
+                <a:ea typeface="맑은 고딕" panose="020B0503020000020004" pitchFamily="50" charset="-127"/>
+              </a:rPr>
+              <a:t>3) SQL </a:t>
+            </a:r>
+            <a:r>
+              <a:rPr lang="ko-KR" altLang="en-US">
+                <a:latin typeface="맑은 고딕" panose="020B0503020000020004" pitchFamily="50" charset="-127"/>
+                <a:ea typeface="맑은 고딕" panose="020B0503020000020004" pitchFamily="50" charset="-127"/>
+              </a:rPr>
+              <a:t>결과를 제공할 기능 개발</a:t>
+            </a:r>
+            <a:endParaRPr lang="ko-KR" altLang="en-US" dirty="0">
               <a:latin typeface="맑은 고딕" panose="020B0503020000020004" pitchFamily="50" charset="-127"/>
               <a:ea typeface="맑은 고딕" panose="020B0503020000020004" pitchFamily="50" charset="-127"/>
             </a:endParaRPr>
@@ -17340,7 +17476,7 @@
           <p:cNvPr id="3" name="내용 개체 틀 2">
             <a:extLst>
               <a:ext uri="{FF2B5EF4-FFF2-40B4-BE49-F238E27FC236}">
-                <a16:creationId xmlns:a16="http://schemas.microsoft.com/office/drawing/2014/main" id="{DA62FCA6-426E-41D1-9AF7-D575B841741D}"/>
+                <a16:creationId xmlns:a16="http://schemas.microsoft.com/office/drawing/2014/main" id="{490A1BEE-6582-4602-86F5-FAD490AAC13F}"/>
               </a:ext>
             </a:extLst>
           </p:cNvPr>
@@ -17357,143 +17493,150 @@
           <a:lstStyle/>
           <a:p>
             <a:r>
-              <a:rPr lang="en-US" altLang="ko-KR" dirty="0">
-                <a:latin typeface="맑은 고딕" panose="020B0503020000020004" pitchFamily="50" charset="-127"/>
-                <a:ea typeface="맑은 고딕" panose="020B0503020000020004" pitchFamily="50" charset="-127"/>
-              </a:rPr>
-              <a:t>SQL</a:t>
-            </a:r>
-            <a:r>
-              <a:rPr lang="ko-KR" altLang="en-US" dirty="0">
-                <a:latin typeface="맑은 고딕" panose="020B0503020000020004" pitchFamily="50" charset="-127"/>
-                <a:ea typeface="맑은 고딕" panose="020B0503020000020004" pitchFamily="50" charset="-127"/>
-              </a:rPr>
-              <a:t> 의존 문제</a:t>
-            </a:r>
-            <a:endParaRPr lang="en-US" altLang="ko-KR" dirty="0">
-              <a:latin typeface="맑은 고딕" panose="020B0503020000020004" pitchFamily="50" charset="-127"/>
-              <a:ea typeface="맑은 고딕" panose="020B0503020000020004" pitchFamily="50" charset="-127"/>
-            </a:endParaRPr>
-          </a:p>
-          <a:p>
-            <a:pPr lvl="1"/>
-            <a:r>
-              <a:rPr lang="en-US" altLang="ko-KR" dirty="0"/>
-              <a:t>SQL</a:t>
-            </a:r>
-            <a:r>
-              <a:rPr lang="en-US" altLang="ko-KR" dirty="0">
-                <a:latin typeface="맑은 고딕" panose="020B0503020000020004" pitchFamily="50" charset="-127"/>
-                <a:ea typeface="맑은 고딕" panose="020B0503020000020004" pitchFamily="50" charset="-127"/>
-              </a:rPr>
-              <a:t> </a:t>
-            </a:r>
-            <a:r>
-              <a:rPr lang="ko-KR" altLang="en-US" dirty="0">
-                <a:latin typeface="맑은 고딕" panose="020B0503020000020004" pitchFamily="50" charset="-127"/>
-                <a:ea typeface="맑은 고딕" panose="020B0503020000020004" pitchFamily="50" charset="-127"/>
-              </a:rPr>
-              <a:t>기능과 비즈니스 로직이 복잡하게 섞여 있는 문제</a:t>
-            </a:r>
-            <a:endParaRPr lang="en-US" altLang="ko-KR" dirty="0">
-              <a:latin typeface="맑은 고딕" panose="020B0503020000020004" pitchFamily="50" charset="-127"/>
-              <a:ea typeface="맑은 고딕" panose="020B0503020000020004" pitchFamily="50" charset="-127"/>
-            </a:endParaRPr>
-          </a:p>
-          <a:p>
-            <a:pPr lvl="1"/>
-            <a:endParaRPr lang="en-US" altLang="ko-KR" dirty="0">
-              <a:latin typeface="맑은 고딕" panose="020B0503020000020004" pitchFamily="50" charset="-127"/>
-              <a:ea typeface="맑은 고딕" panose="020B0503020000020004" pitchFamily="50" charset="-127"/>
-            </a:endParaRPr>
-          </a:p>
-          <a:p>
-            <a:r>
-              <a:rPr lang="en-US" altLang="ko-KR" dirty="0">
-                <a:latin typeface="맑은 고딕" panose="020B0503020000020004" pitchFamily="50" charset="-127"/>
-                <a:ea typeface="맑은 고딕" panose="020B0503020000020004" pitchFamily="50" charset="-127"/>
-              </a:rPr>
-              <a:t>SQL </a:t>
-            </a:r>
-            <a:r>
-              <a:rPr lang="ko-KR" altLang="en-US" dirty="0">
-                <a:latin typeface="맑은 고딕" panose="020B0503020000020004" pitchFamily="50" charset="-127"/>
-                <a:ea typeface="맑은 고딕" panose="020B0503020000020004" pitchFamily="50" charset="-127"/>
-              </a:rPr>
-              <a:t>기능</a:t>
-            </a:r>
-            <a:endParaRPr lang="en-US" altLang="ko-KR" dirty="0">
-              <a:latin typeface="맑은 고딕" panose="020B0503020000020004" pitchFamily="50" charset="-127"/>
-              <a:ea typeface="맑은 고딕" panose="020B0503020000020004" pitchFamily="50" charset="-127"/>
-            </a:endParaRPr>
-          </a:p>
-          <a:p>
-            <a:pPr lvl="1"/>
-            <a:r>
-              <a:rPr lang="ko-KR" altLang="en-US" dirty="0">
-                <a:latin typeface="맑은 고딕" panose="020B0503020000020004" pitchFamily="50" charset="-127"/>
-                <a:ea typeface="맑은 고딕" panose="020B0503020000020004" pitchFamily="50" charset="-127"/>
-              </a:rPr>
-              <a:t>트랜잭션 </a:t>
-            </a:r>
-            <a:r>
-              <a:rPr lang="en-US" altLang="ko-KR" dirty="0">
-                <a:latin typeface="맑은 고딕" panose="020B0503020000020004" pitchFamily="50" charset="-127"/>
-                <a:ea typeface="맑은 고딕" panose="020B0503020000020004" pitchFamily="50" charset="-127"/>
-              </a:rPr>
-              <a:t>: Transaction.java</a:t>
-            </a:r>
-          </a:p>
-          <a:p>
-            <a:pPr lvl="1"/>
-            <a:r>
               <a:rPr lang="en-US" altLang="ko-KR" dirty="0"/>
               <a:t>SQL </a:t>
             </a:r>
             <a:r>
               <a:rPr lang="ko-KR" altLang="en-US" dirty="0"/>
-              <a:t>실행</a:t>
+              <a:t>결과</a:t>
+            </a:r>
+            <a:endParaRPr lang="en-US" altLang="ko-KR" dirty="0"/>
+          </a:p>
+          <a:p>
+            <a:pPr lvl="1"/>
+            <a:r>
+              <a:rPr lang="en-US" altLang="ko-KR"/>
+              <a:t>INSERT </a:t>
             </a:r>
             <a:r>
               <a:rPr lang="en-US" altLang="ko-KR" dirty="0"/>
-              <a:t> : SqlRunner</a:t>
-            </a:r>
-            <a:r>
-              <a:rPr lang="en-US" altLang="ko-KR" dirty="0">
-                <a:latin typeface="맑은 고딕" panose="020B0503020000020004" pitchFamily="50" charset="-127"/>
-                <a:ea typeface="맑은 고딕" panose="020B0503020000020004" pitchFamily="50" charset="-127"/>
+              <a:t>/ UPDATE / DELETE </a:t>
+            </a:r>
+            <a:r>
+              <a:rPr lang="ko-KR" altLang="en-US"/>
+              <a:t>결과 </a:t>
+            </a:r>
+            <a:r>
+              <a:rPr lang="en-US" altLang="ko-KR"/>
+              <a:t>int</a:t>
+            </a:r>
+          </a:p>
+          <a:p>
+            <a:pPr lvl="2"/>
+            <a:r>
+              <a:rPr lang="en-US" altLang="ko-KR"/>
+              <a:t>long </a:t>
+            </a:r>
+            <a:r>
+              <a:rPr lang="ko-KR" altLang="en-US"/>
+              <a:t>이 아님</a:t>
+            </a:r>
+            <a:endParaRPr lang="en-US" altLang="ko-KR"/>
+          </a:p>
+          <a:p>
+            <a:pPr lvl="1"/>
+            <a:r>
+              <a:rPr lang="en-US" altLang="ko-KR"/>
+              <a:t>SELECT SQL </a:t>
+            </a:r>
+            <a:r>
+              <a:rPr lang="ko-KR" altLang="en-US"/>
+              <a:t>결과는</a:t>
+            </a:r>
+            <a:r>
+              <a:rPr lang="en-US" altLang="ko-KR"/>
+              <a:t> </a:t>
+            </a:r>
+            <a:r>
+              <a:rPr lang="ko-KR" altLang="en-US"/>
+              <a:t>논리적 </a:t>
+            </a:r>
+            <a:r>
+              <a:rPr lang="en-US" altLang="ko-KR"/>
+              <a:t>TABLE</a:t>
+            </a:r>
+          </a:p>
+          <a:p>
+            <a:pPr lvl="2"/>
+            <a:r>
+              <a:rPr lang="en-US" altLang="ko-KR">
+                <a:solidFill>
+                  <a:srgbClr val="FF0000"/>
+                </a:solidFill>
               </a:rPr>
-              <a:t>.java</a:t>
-            </a:r>
+              <a:t>DTO </a:t>
+            </a:r>
+            <a:r>
+              <a:rPr lang="ko-KR" altLang="en-US">
+                <a:solidFill>
+                  <a:srgbClr val="FF0000"/>
+                </a:solidFill>
+              </a:rPr>
+              <a:t>로 표현하는데는 한계</a:t>
+            </a:r>
+            <a:endParaRPr lang="en-US" altLang="ko-KR">
+              <a:solidFill>
+                <a:srgbClr val="FF0000"/>
+              </a:solidFill>
+            </a:endParaRPr>
           </a:p>
           <a:p>
             <a:pPr lvl="1"/>
-            <a:r>
-              <a:rPr lang="en-US" altLang="ko-KR" dirty="0"/>
-              <a:t>SQL </a:t>
-            </a:r>
-            <a:r>
-              <a:rPr lang="ko-KR" altLang="en-US" dirty="0"/>
-              <a:t>결과 </a:t>
-            </a:r>
-            <a:r>
-              <a:rPr lang="en-US" altLang="ko-KR" dirty="0"/>
-              <a:t>: Table</a:t>
-            </a:r>
-            <a:r>
-              <a:rPr lang="en-US" altLang="ko-KR" dirty="0">
-                <a:latin typeface="맑은 고딕" panose="020B0503020000020004" pitchFamily="50" charset="-127"/>
-                <a:ea typeface="맑은 고딕" panose="020B0503020000020004" pitchFamily="50" charset="-127"/>
-              </a:rPr>
-              <a:t>.java</a:t>
-            </a:r>
+            <a:endParaRPr lang="en-US" altLang="ko-KR" dirty="0"/>
           </a:p>
         </p:txBody>
       </p:sp>
+      <p:pic>
+        <p:nvPicPr>
+          <p:cNvPr id="4" name="Picture 2">
+            <a:extLst>
+              <a:ext uri="{FF2B5EF4-FFF2-40B4-BE49-F238E27FC236}">
+                <a16:creationId xmlns:a16="http://schemas.microsoft.com/office/drawing/2014/main" id="{B1713E50-6DA5-48FF-95C8-29B69712C9A1}"/>
+              </a:ext>
+            </a:extLst>
+          </p:cNvPr>
+          <p:cNvPicPr>
+            <a:picLocks noChangeAspect="1" noChangeArrowheads="1"/>
+          </p:cNvPicPr>
+          <p:nvPr/>
+        </p:nvPicPr>
+        <p:blipFill>
+          <a:blip r:embed="rId3">
+            <a:extLst>
+              <a:ext uri="{28A0092B-C50C-407E-A947-70E740481C1C}">
+                <a14:useLocalDpi xmlns:a14="http://schemas.microsoft.com/office/drawing/2010/main" val="0"/>
+              </a:ext>
+            </a:extLst>
+          </a:blip>
+          <a:srcRect/>
+          <a:stretch>
+            <a:fillRect/>
+          </a:stretch>
+        </p:blipFill>
+        <p:spPr bwMode="auto">
+          <a:xfrm>
+            <a:off x="6859514" y="1192617"/>
+            <a:ext cx="4741093" cy="2121438"/>
+          </a:xfrm>
+          <a:prstGeom prst="rect">
+            <a:avLst/>
+          </a:prstGeom>
+          <a:noFill/>
+          <a:extLst>
+            <a:ext uri="{909E8E84-426E-40DD-AFC4-6F175D3DCCD1}">
+              <a14:hiddenFill xmlns:a14="http://schemas.microsoft.com/office/drawing/2010/main">
+                <a:solidFill>
+                  <a:srgbClr val="FFFFFF"/>
+                </a:solidFill>
+              </a14:hiddenFill>
+            </a:ext>
+          </a:extLst>
+        </p:spPr>
+      </p:pic>
     </p:spTree>
     <p:extLst>
       <p:ext uri="{BB962C8B-B14F-4D97-AF65-F5344CB8AC3E}">
-        <p14:creationId xmlns:p14="http://schemas.microsoft.com/office/powerpoint/2010/main" val="3826954321"/>
+        <p14:creationId xmlns:p14="http://schemas.microsoft.com/office/powerpoint/2010/main" val="2392204457"/>
       </p:ext>
     </p:extLst>
   </p:cSld>
@@ -17542,6 +17685,476 @@
             <p:ph type="title"/>
           </p:nvPr>
         </p:nvSpPr>
+        <p:spPr>
+          <a:xfrm>
+            <a:off x="1295400" y="503853"/>
+            <a:ext cx="9601200" cy="1142385"/>
+          </a:xfrm>
+        </p:spPr>
+        <p:txBody>
+          <a:bodyPr rtlCol="0" anchor="b">
+            <a:normAutofit/>
+          </a:bodyPr>
+          <a:lstStyle/>
+          <a:p>
+            <a:pPr rtl="0"/>
+            <a:r>
+              <a:rPr lang="en-US" altLang="ko-KR">
+                <a:latin typeface="맑은 고딕" panose="020B0503020000020004" pitchFamily="50" charset="-127"/>
+                <a:ea typeface="맑은 고딕" panose="020B0503020000020004" pitchFamily="50" charset="-127"/>
+              </a:rPr>
+              <a:t>3) </a:t>
+            </a:r>
+            <a:r>
+              <a:rPr lang="en-US" altLang="ko-KR"/>
+              <a:t>SQL </a:t>
+            </a:r>
+            <a:r>
+              <a:rPr lang="ko-KR" altLang="en-US"/>
+              <a:t>결과를 제공할 기능 개발</a:t>
+            </a:r>
+          </a:p>
+        </p:txBody>
+      </p:sp>
+      <p:sp>
+        <p:nvSpPr>
+          <p:cNvPr id="3" name="내용 개체 틀 2">
+            <a:extLst>
+              <a:ext uri="{FF2B5EF4-FFF2-40B4-BE49-F238E27FC236}">
+                <a16:creationId xmlns:a16="http://schemas.microsoft.com/office/drawing/2014/main" id="{490A1BEE-6582-4602-86F5-FAD490AAC13F}"/>
+              </a:ext>
+            </a:extLst>
+          </p:cNvPr>
+          <p:cNvSpPr>
+            <a:spLocks noGrp="1"/>
+          </p:cNvSpPr>
+          <p:nvPr>
+            <p:ph sz="half" idx="1"/>
+          </p:nvPr>
+        </p:nvSpPr>
+        <p:spPr>
+          <a:xfrm>
+            <a:off x="1295400" y="1981199"/>
+            <a:ext cx="9403080" cy="3810001"/>
+          </a:xfrm>
+        </p:spPr>
+        <p:txBody>
+          <a:bodyPr>
+            <a:normAutofit/>
+          </a:bodyPr>
+          <a:lstStyle/>
+          <a:p>
+            <a:r>
+              <a:rPr lang="en-US" altLang="ko-KR"/>
+              <a:t>Table.java</a:t>
+            </a:r>
+            <a:endParaRPr lang="en-US" altLang="ko-KR" dirty="0"/>
+          </a:p>
+          <a:p>
+            <a:pPr lvl="1"/>
+            <a:r>
+              <a:rPr lang="en-US" altLang="ko-KR" sz="2000"/>
+              <a:t>SqlRunner.getTable() </a:t>
+            </a:r>
+            <a:r>
+              <a:rPr lang="ko-KR" altLang="en-US" sz="2000"/>
+              <a:t>실행 결과</a:t>
+            </a:r>
+            <a:endParaRPr lang="en-US" altLang="ko-KR" sz="2000"/>
+          </a:p>
+          <a:p>
+            <a:pPr lvl="2"/>
+            <a:r>
+              <a:rPr lang="en-US" altLang="ko-KR" sz="2000"/>
+              <a:t>table.getData(“TXT”,2);</a:t>
+            </a:r>
+          </a:p>
+          <a:p>
+            <a:pPr lvl="2"/>
+            <a:r>
+              <a:rPr lang="en-US" altLang="ko-KR" sz="2000"/>
+              <a:t>table.setData(“TXT”,2,”ABCD”);</a:t>
+            </a:r>
+          </a:p>
+          <a:p>
+            <a:pPr lvl="2"/>
+            <a:r>
+              <a:rPr lang="en-US" altLang="ko-KR" sz="2000"/>
+              <a:t>table.size();</a:t>
+            </a:r>
+          </a:p>
+          <a:p>
+            <a:pPr lvl="3"/>
+            <a:r>
+              <a:rPr lang="en-US" altLang="ko-KR" sz="1800"/>
+              <a:t>table.getBox(2);</a:t>
+            </a:r>
+          </a:p>
+          <a:p>
+            <a:pPr lvl="1"/>
+            <a:r>
+              <a:rPr lang="ko-KR" altLang="en-US" sz="2000">
+                <a:solidFill>
+                  <a:srgbClr val="FF0000"/>
+                </a:solidFill>
+              </a:rPr>
+              <a:t>컬랙션객체의 단점인 성능과 어려움 해결</a:t>
+            </a:r>
+            <a:endParaRPr lang="en-US" altLang="ko-KR" sz="2000">
+              <a:solidFill>
+                <a:srgbClr val="FF0000"/>
+              </a:solidFill>
+            </a:endParaRPr>
+          </a:p>
+          <a:p>
+            <a:pPr lvl="1"/>
+            <a:endParaRPr lang="en-US" altLang="ko-KR" sz="2000"/>
+          </a:p>
+        </p:txBody>
+      </p:sp>
+      <p:pic>
+        <p:nvPicPr>
+          <p:cNvPr id="7" name="Picture 2">
+            <a:extLst>
+              <a:ext uri="{FF2B5EF4-FFF2-40B4-BE49-F238E27FC236}">
+                <a16:creationId xmlns:a16="http://schemas.microsoft.com/office/drawing/2014/main" id="{75610EBC-170C-4850-BD6F-FEE8C864ABBA}"/>
+              </a:ext>
+            </a:extLst>
+          </p:cNvPr>
+          <p:cNvPicPr>
+            <a:picLocks noChangeAspect="1" noChangeArrowheads="1"/>
+          </p:cNvPicPr>
+          <p:nvPr/>
+        </p:nvPicPr>
+        <p:blipFill>
+          <a:blip r:embed="rId3">
+            <a:extLst>
+              <a:ext uri="{28A0092B-C50C-407E-A947-70E740481C1C}">
+                <a14:useLocalDpi xmlns:a14="http://schemas.microsoft.com/office/drawing/2010/main" val="0"/>
+              </a:ext>
+            </a:extLst>
+          </a:blip>
+          <a:srcRect/>
+          <a:stretch>
+            <a:fillRect/>
+          </a:stretch>
+        </p:blipFill>
+        <p:spPr bwMode="auto">
+          <a:xfrm>
+            <a:off x="6859514" y="1192617"/>
+            <a:ext cx="4741093" cy="2121438"/>
+          </a:xfrm>
+          <a:prstGeom prst="rect">
+            <a:avLst/>
+          </a:prstGeom>
+          <a:noFill/>
+          <a:extLst>
+            <a:ext uri="{909E8E84-426E-40DD-AFC4-6F175D3DCCD1}">
+              <a14:hiddenFill xmlns:a14="http://schemas.microsoft.com/office/drawing/2010/main">
+                <a:solidFill>
+                  <a:srgbClr val="FFFFFF"/>
+                </a:solidFill>
+              </a14:hiddenFill>
+            </a:ext>
+          </a:extLst>
+        </p:spPr>
+      </p:pic>
+    </p:spTree>
+    <p:extLst>
+      <p:ext uri="{BB962C8B-B14F-4D97-AF65-F5344CB8AC3E}">
+        <p14:creationId xmlns:p14="http://schemas.microsoft.com/office/powerpoint/2010/main" val="3672782496"/>
+      </p:ext>
+    </p:extLst>
+  </p:cSld>
+  <p:clrMapOvr>
+    <a:masterClrMapping/>
+  </p:clrMapOvr>
+  <mc:AlternateContent xmlns:mc="http://schemas.openxmlformats.org/markup-compatibility/2006" xmlns:p14="http://schemas.microsoft.com/office/powerpoint/2010/main">
+    <mc:Choice Requires="p14">
+      <p:transition spd="med" p14:dur="700">
+        <p:fade/>
+      </p:transition>
+    </mc:Choice>
+    <mc:Fallback xmlns="">
+      <p:transition spd="med">
+        <p:fade/>
+      </p:transition>
+    </mc:Fallback>
+  </mc:AlternateContent>
+</p:sld>
+</file>
+
+<file path=ppt/slides/slide13.xml><?xml version="1.0" encoding="utf-8"?>
+<p:sld xmlns:a="http://schemas.openxmlformats.org/drawingml/2006/main" xmlns:r="http://schemas.openxmlformats.org/officeDocument/2006/relationships" xmlns:p="http://schemas.openxmlformats.org/presentationml/2006/main">
+  <p:cSld>
+    <p:spTree>
+      <p:nvGrpSpPr>
+        <p:cNvPr id="1" name=""/>
+        <p:cNvGrpSpPr/>
+        <p:nvPr/>
+      </p:nvGrpSpPr>
+      <p:grpSpPr>
+        <a:xfrm>
+          <a:off x="0" y="0"/>
+          <a:ext cx="0" cy="0"/>
+          <a:chOff x="0" y="0"/>
+          <a:chExt cx="0" cy="0"/>
+        </a:xfrm>
+      </p:grpSpPr>
+      <p:sp>
+        <p:nvSpPr>
+          <p:cNvPr id="2" name="제목 1"/>
+          <p:cNvSpPr>
+            <a:spLocks noGrp="1"/>
+          </p:cNvSpPr>
+          <p:nvPr>
+            <p:ph type="title"/>
+          </p:nvPr>
+        </p:nvSpPr>
+        <p:spPr/>
+        <p:txBody>
+          <a:bodyPr rtlCol="0"/>
+          <a:lstStyle/>
+          <a:p>
+            <a:pPr rtl="0"/>
+            <a:r>
+              <a:rPr lang="ko-KR" altLang="en-US"/>
+              <a:t>섹터</a:t>
+            </a:r>
+            <a:r>
+              <a:rPr lang="en-US" altLang="ko-KR"/>
+              <a:t>3 </a:t>
+            </a:r>
+            <a:r>
+              <a:rPr lang="ko-KR" altLang="en-US"/>
+              <a:t>결과</a:t>
+            </a:r>
+            <a:endParaRPr lang="ko-KR" altLang="en-US">
+              <a:latin typeface="맑은 고딕" panose="020B0503020000020004" pitchFamily="50" charset="-127"/>
+              <a:ea typeface="맑은 고딕" panose="020B0503020000020004" pitchFamily="50" charset="-127"/>
+            </a:endParaRPr>
+          </a:p>
+        </p:txBody>
+      </p:sp>
+      <p:sp>
+        <p:nvSpPr>
+          <p:cNvPr id="3" name="내용 개체 틀 2">
+            <a:extLst>
+              <a:ext uri="{FF2B5EF4-FFF2-40B4-BE49-F238E27FC236}">
+                <a16:creationId xmlns:a16="http://schemas.microsoft.com/office/drawing/2014/main" id="{DA62FCA6-426E-41D1-9AF7-D575B841741D}"/>
+              </a:ext>
+            </a:extLst>
+          </p:cNvPr>
+          <p:cNvSpPr>
+            <a:spLocks noGrp="1"/>
+          </p:cNvSpPr>
+          <p:nvPr>
+            <p:ph idx="1"/>
+          </p:nvPr>
+        </p:nvSpPr>
+        <p:spPr/>
+        <p:txBody>
+          <a:bodyPr/>
+          <a:lstStyle/>
+          <a:p>
+            <a:r>
+              <a:rPr lang="en-US" altLang="ko-KR">
+                <a:latin typeface="맑은 고딕" panose="020B0503020000020004" pitchFamily="50" charset="-127"/>
+                <a:ea typeface="맑은 고딕" panose="020B0503020000020004" pitchFamily="50" charset="-127"/>
+              </a:rPr>
+              <a:t>SQL </a:t>
+            </a:r>
+            <a:r>
+              <a:rPr lang="ko-KR" altLang="en-US"/>
+              <a:t>의존 문제를 해결하기 위한 프레임워크 기능 개발</a:t>
+            </a:r>
+            <a:endParaRPr lang="en-US" altLang="ko-KR" dirty="0">
+              <a:latin typeface="맑은 고딕" panose="020B0503020000020004" pitchFamily="50" charset="-127"/>
+              <a:ea typeface="맑은 고딕" panose="020B0503020000020004" pitchFamily="50" charset="-127"/>
+            </a:endParaRPr>
+          </a:p>
+          <a:p>
+            <a:pPr lvl="1"/>
+            <a:r>
+              <a:rPr lang="ko-KR" altLang="en-US" dirty="0">
+                <a:latin typeface="맑은 고딕" panose="020B0503020000020004" pitchFamily="50" charset="-127"/>
+                <a:ea typeface="맑은 고딕" panose="020B0503020000020004" pitchFamily="50" charset="-127"/>
+              </a:rPr>
+              <a:t>트랜잭션 </a:t>
+            </a:r>
+            <a:r>
+              <a:rPr lang="en-US" altLang="ko-KR" dirty="0">
+                <a:latin typeface="맑은 고딕" panose="020B0503020000020004" pitchFamily="50" charset="-127"/>
+                <a:ea typeface="맑은 고딕" panose="020B0503020000020004" pitchFamily="50" charset="-127"/>
+              </a:rPr>
+              <a:t>: Transaction</a:t>
+            </a:r>
+            <a:r>
+              <a:rPr lang="en-US" altLang="ko-KR">
+                <a:latin typeface="맑은 고딕" panose="020B0503020000020004" pitchFamily="50" charset="-127"/>
+                <a:ea typeface="맑은 고딕" panose="020B0503020000020004" pitchFamily="50" charset="-127"/>
+              </a:rPr>
+              <a:t>.java</a:t>
+            </a:r>
+          </a:p>
+          <a:p>
+            <a:pPr lvl="2"/>
+            <a:r>
+              <a:rPr lang="en-US" altLang="ko-KR">
+                <a:latin typeface="맑은 고딕" panose="020B0503020000020004" pitchFamily="50" charset="-127"/>
+                <a:ea typeface="맑은 고딕" panose="020B0503020000020004" pitchFamily="50" charset="-127"/>
+              </a:rPr>
+              <a:t>TransactionContext.java</a:t>
+            </a:r>
+            <a:endParaRPr lang="en-US" altLang="ko-KR" dirty="0">
+              <a:latin typeface="맑은 고딕" panose="020B0503020000020004" pitchFamily="50" charset="-127"/>
+              <a:ea typeface="맑은 고딕" panose="020B0503020000020004" pitchFamily="50" charset="-127"/>
+            </a:endParaRPr>
+          </a:p>
+          <a:p>
+            <a:pPr lvl="1"/>
+            <a:r>
+              <a:rPr lang="en-US" altLang="ko-KR" dirty="0"/>
+              <a:t>SQL </a:t>
+            </a:r>
+            <a:r>
+              <a:rPr lang="ko-KR" altLang="en-US" dirty="0"/>
+              <a:t>실행</a:t>
+            </a:r>
+            <a:r>
+              <a:rPr lang="en-US" altLang="ko-KR" dirty="0"/>
+              <a:t> : SqlRunner</a:t>
+            </a:r>
+            <a:r>
+              <a:rPr lang="en-US" altLang="ko-KR">
+                <a:latin typeface="맑은 고딕" panose="020B0503020000020004" pitchFamily="50" charset="-127"/>
+                <a:ea typeface="맑은 고딕" panose="020B0503020000020004" pitchFamily="50" charset="-127"/>
+              </a:rPr>
+              <a:t>.java</a:t>
+            </a:r>
+          </a:p>
+          <a:p>
+            <a:pPr lvl="2"/>
+            <a:r>
+              <a:rPr lang="en-US" altLang="ko-KR"/>
+              <a:t>Sql.java</a:t>
+            </a:r>
+            <a:endParaRPr lang="en-US" altLang="ko-KR" dirty="0">
+              <a:latin typeface="맑은 고딕" panose="020B0503020000020004" pitchFamily="50" charset="-127"/>
+              <a:ea typeface="맑은 고딕" panose="020B0503020000020004" pitchFamily="50" charset="-127"/>
+            </a:endParaRPr>
+          </a:p>
+          <a:p>
+            <a:pPr lvl="1"/>
+            <a:r>
+              <a:rPr lang="en-US" altLang="ko-KR" dirty="0"/>
+              <a:t>SQL </a:t>
+            </a:r>
+            <a:r>
+              <a:rPr lang="ko-KR" altLang="en-US" dirty="0"/>
+              <a:t>결과 </a:t>
+            </a:r>
+            <a:r>
+              <a:rPr lang="en-US" altLang="ko-KR" dirty="0"/>
+              <a:t>: Table</a:t>
+            </a:r>
+            <a:r>
+              <a:rPr lang="en-US" altLang="ko-KR">
+                <a:latin typeface="맑은 고딕" panose="020B0503020000020004" pitchFamily="50" charset="-127"/>
+                <a:ea typeface="맑은 고딕" panose="020B0503020000020004" pitchFamily="50" charset="-127"/>
+              </a:rPr>
+              <a:t>.java</a:t>
+            </a:r>
+          </a:p>
+          <a:p>
+            <a:r>
+              <a:rPr lang="en-US" altLang="ko-KR"/>
+              <a:t>SQL </a:t>
+            </a:r>
+            <a:r>
+              <a:rPr lang="ko-KR" altLang="en-US"/>
+              <a:t>의존 문제가 해결된 비즈니스로직 개발</a:t>
+            </a:r>
+            <a:endParaRPr lang="en-US" altLang="ko-KR"/>
+          </a:p>
+          <a:p>
+            <a:pPr lvl="1"/>
+            <a:r>
+              <a:rPr lang="en-US" altLang="ko-KR">
+                <a:latin typeface="맑은 고딕" panose="020B0503020000020004" pitchFamily="50" charset="-127"/>
+                <a:ea typeface="맑은 고딕" panose="020B0503020000020004" pitchFamily="50" charset="-127"/>
+              </a:rPr>
+              <a:t>Board.java</a:t>
+            </a:r>
+          </a:p>
+          <a:p>
+            <a:pPr lvl="1"/>
+            <a:r>
+              <a:rPr lang="en-US" altLang="ko-KR">
+                <a:latin typeface="맑은 고딕" panose="020B0503020000020004" pitchFamily="50" charset="-127"/>
+                <a:ea typeface="맑은 고딕" panose="020B0503020000020004" pitchFamily="50" charset="-127"/>
+              </a:rPr>
+              <a:t>BoardD.java</a:t>
+            </a:r>
+            <a:endParaRPr lang="en-US" altLang="ko-KR" dirty="0">
+              <a:latin typeface="맑은 고딕" panose="020B0503020000020004" pitchFamily="50" charset="-127"/>
+              <a:ea typeface="맑은 고딕" panose="020B0503020000020004" pitchFamily="50" charset="-127"/>
+            </a:endParaRPr>
+          </a:p>
+        </p:txBody>
+      </p:sp>
+    </p:spTree>
+    <p:extLst>
+      <p:ext uri="{BB962C8B-B14F-4D97-AF65-F5344CB8AC3E}">
+        <p14:creationId xmlns:p14="http://schemas.microsoft.com/office/powerpoint/2010/main" val="4007173038"/>
+      </p:ext>
+    </p:extLst>
+  </p:cSld>
+  <p:clrMapOvr>
+    <a:masterClrMapping/>
+  </p:clrMapOvr>
+  <mc:AlternateContent xmlns:mc="http://schemas.openxmlformats.org/markup-compatibility/2006" xmlns:p14="http://schemas.microsoft.com/office/powerpoint/2010/main">
+    <mc:Choice Requires="p14">
+      <p:transition spd="med" p14:dur="700">
+        <p:fade/>
+      </p:transition>
+    </mc:Choice>
+    <mc:Fallback xmlns="">
+      <p:transition spd="med">
+        <p:fade/>
+      </p:transition>
+    </mc:Fallback>
+  </mc:AlternateContent>
+</p:sld>
+</file>
+
+<file path=ppt/slides/slide14.xml><?xml version="1.0" encoding="utf-8"?>
+<p:sld xmlns:a="http://schemas.openxmlformats.org/drawingml/2006/main" xmlns:r="http://schemas.openxmlformats.org/officeDocument/2006/relationships" xmlns:p="http://schemas.openxmlformats.org/presentationml/2006/main">
+  <p:cSld>
+    <p:spTree>
+      <p:nvGrpSpPr>
+        <p:cNvPr id="1" name=""/>
+        <p:cNvGrpSpPr/>
+        <p:nvPr/>
+      </p:nvGrpSpPr>
+      <p:grpSpPr>
+        <a:xfrm>
+          <a:off x="0" y="0"/>
+          <a:ext cx="0" cy="0"/>
+          <a:chOff x="0" y="0"/>
+          <a:chExt cx="0" cy="0"/>
+        </a:xfrm>
+      </p:grpSpPr>
+      <p:sp>
+        <p:nvSpPr>
+          <p:cNvPr id="2" name="제목 1"/>
+          <p:cNvSpPr>
+            <a:spLocks noGrp="1"/>
+          </p:cNvSpPr>
+          <p:nvPr>
+            <p:ph type="title"/>
+          </p:nvPr>
+        </p:nvSpPr>
         <p:spPr/>
         <p:txBody>
           <a:bodyPr rtlCol="0"/>
@@ -17665,13 +18278,7 @@
       </p:grpSpPr>
       <p:sp>
         <p:nvSpPr>
-          <p:cNvPr id="2" name="제목 1">
-            <a:extLst>
-              <a:ext uri="{FF2B5EF4-FFF2-40B4-BE49-F238E27FC236}">
-                <a16:creationId xmlns:a16="http://schemas.microsoft.com/office/drawing/2014/main" id="{BA5D0597-4C5A-4BCD-822E-643F66B48745}"/>
-              </a:ext>
-            </a:extLst>
-          </p:cNvPr>
+          <p:cNvPr id="2" name="제목 1"/>
           <p:cNvSpPr>
             <a:spLocks noGrp="1"/>
           </p:cNvSpPr>
@@ -17681,17 +18288,26 @@
         </p:nvSpPr>
         <p:spPr/>
         <p:txBody>
-          <a:bodyPr/>
+          <a:bodyPr rtlCol="0"/>
           <a:lstStyle/>
           <a:p>
-            <a:r>
-              <a:rPr lang="en-US" altLang="ko-KR" dirty="0"/>
-              <a:t>DBMS </a:t>
-            </a:r>
-            <a:r>
-              <a:rPr lang="ko-KR" altLang="en-US" dirty="0"/>
-              <a:t>를 사용하는 이유</a:t>
-            </a:r>
+            <a:pPr rtl="0"/>
+            <a:r>
+              <a:rPr lang="ko-KR" altLang="en-US"/>
+              <a:t>섹터</a:t>
+            </a:r>
+            <a:r>
+              <a:rPr lang="en-US" altLang="ko-KR"/>
+              <a:t>3 </a:t>
+            </a:r>
+            <a:r>
+              <a:rPr lang="ko-KR" altLang="en-US"/>
+              <a:t>목표</a:t>
+            </a:r>
+            <a:endParaRPr lang="ko-KR" altLang="en-US">
+              <a:latin typeface="맑은 고딕" panose="020B0503020000020004" pitchFamily="50" charset="-127"/>
+              <a:ea typeface="맑은 고딕" panose="020B0503020000020004" pitchFamily="50" charset="-127"/>
+            </a:endParaRPr>
           </a:p>
         </p:txBody>
       </p:sp>
@@ -17700,7 +18316,7 @@
           <p:cNvPr id="3" name="내용 개체 틀 2">
             <a:extLst>
               <a:ext uri="{FF2B5EF4-FFF2-40B4-BE49-F238E27FC236}">
-                <a16:creationId xmlns:a16="http://schemas.microsoft.com/office/drawing/2014/main" id="{0C9231FF-28EB-4164-A188-3E920050747B}"/>
+                <a16:creationId xmlns:a16="http://schemas.microsoft.com/office/drawing/2014/main" id="{DA62FCA6-426E-41D1-9AF7-D575B841741D}"/>
               </a:ext>
             </a:extLst>
           </p:cNvPr>
@@ -17713,12 +18329,230 @@
         </p:nvSpPr>
         <p:spPr/>
         <p:txBody>
-          <a:bodyPr/>
+          <a:bodyPr>
+            <a:normAutofit lnSpcReduction="10000"/>
+          </a:bodyPr>
           <a:lstStyle/>
           <a:p>
             <a:r>
+              <a:rPr lang="en-US" altLang="ko-KR" dirty="0">
+                <a:latin typeface="맑은 고딕" panose="020B0503020000020004" pitchFamily="50" charset="-127"/>
+                <a:ea typeface="맑은 고딕" panose="020B0503020000020004" pitchFamily="50" charset="-127"/>
+              </a:rPr>
+              <a:t>SQL</a:t>
+            </a:r>
+            <a:r>
+              <a:rPr lang="ko-KR" altLang="en-US" dirty="0">
+                <a:latin typeface="맑은 고딕" panose="020B0503020000020004" pitchFamily="50" charset="-127"/>
+                <a:ea typeface="맑은 고딕" panose="020B0503020000020004" pitchFamily="50" charset="-127"/>
+              </a:rPr>
+              <a:t> 의존 문제</a:t>
+            </a:r>
+            <a:endParaRPr lang="en-US" altLang="ko-KR" dirty="0">
+              <a:latin typeface="맑은 고딕" panose="020B0503020000020004" pitchFamily="50" charset="-127"/>
+              <a:ea typeface="맑은 고딕" panose="020B0503020000020004" pitchFamily="50" charset="-127"/>
+            </a:endParaRPr>
+          </a:p>
+          <a:p>
+            <a:pPr lvl="1"/>
+            <a:r>
+              <a:rPr lang="en-US" altLang="ko-KR" dirty="0">
+                <a:solidFill>
+                  <a:srgbClr val="FF0000"/>
+                </a:solidFill>
+              </a:rPr>
+              <a:t>SQL</a:t>
+            </a:r>
+            <a:r>
+              <a:rPr lang="en-US" altLang="ko-KR" dirty="0">
+                <a:solidFill>
+                  <a:srgbClr val="FF0000"/>
+                </a:solidFill>
+                <a:latin typeface="맑은 고딕" panose="020B0503020000020004" pitchFamily="50" charset="-127"/>
+                <a:ea typeface="맑은 고딕" panose="020B0503020000020004" pitchFamily="50" charset="-127"/>
+              </a:rPr>
+              <a:t> </a:t>
+            </a:r>
+            <a:r>
+              <a:rPr lang="ko-KR" altLang="en-US">
+                <a:solidFill>
+                  <a:srgbClr val="FF0000"/>
+                </a:solidFill>
+                <a:latin typeface="맑은 고딕" panose="020B0503020000020004" pitchFamily="50" charset="-127"/>
+                <a:ea typeface="맑은 고딕" panose="020B0503020000020004" pitchFamily="50" charset="-127"/>
+              </a:rPr>
+              <a:t>기능과 비즈니스로직이 </a:t>
+            </a:r>
+            <a:r>
+              <a:rPr lang="ko-KR" altLang="en-US" dirty="0">
+                <a:solidFill>
+                  <a:srgbClr val="FF0000"/>
+                </a:solidFill>
+                <a:latin typeface="맑은 고딕" panose="020B0503020000020004" pitchFamily="50" charset="-127"/>
+                <a:ea typeface="맑은 고딕" panose="020B0503020000020004" pitchFamily="50" charset="-127"/>
+              </a:rPr>
+              <a:t>복잡하게 섞여 </a:t>
+            </a:r>
+            <a:r>
+              <a:rPr lang="ko-KR" altLang="en-US">
+                <a:solidFill>
+                  <a:srgbClr val="FF0000"/>
+                </a:solidFill>
+                <a:latin typeface="맑은 고딕" panose="020B0503020000020004" pitchFamily="50" charset="-127"/>
+                <a:ea typeface="맑은 고딕" panose="020B0503020000020004" pitchFamily="50" charset="-127"/>
+              </a:rPr>
+              <a:t>있는 문제</a:t>
+            </a:r>
+            <a:endParaRPr lang="en-US" altLang="ko-KR">
+              <a:solidFill>
+                <a:srgbClr val="FF0000"/>
+              </a:solidFill>
+              <a:latin typeface="맑은 고딕" panose="020B0503020000020004" pitchFamily="50" charset="-127"/>
+              <a:ea typeface="맑은 고딕" panose="020B0503020000020004" pitchFamily="50" charset="-127"/>
+            </a:endParaRPr>
+          </a:p>
+          <a:p>
+            <a:pPr lvl="1"/>
+            <a:r>
+              <a:rPr lang="en-US" altLang="ko-KR">
+                <a:latin typeface="맑은 고딕" panose="020B0503020000020004" pitchFamily="50" charset="-127"/>
+                <a:ea typeface="맑은 고딕" panose="020B0503020000020004" pitchFamily="50" charset="-127"/>
+              </a:rPr>
+              <a:t>SQL</a:t>
+            </a:r>
+            <a:r>
+              <a:rPr lang="ko-KR" altLang="en-US">
+                <a:latin typeface="맑은 고딕" panose="020B0503020000020004" pitchFamily="50" charset="-127"/>
+                <a:ea typeface="맑은 고딕" panose="020B0503020000020004" pitchFamily="50" charset="-127"/>
+              </a:rPr>
+              <a:t> 의존문제를 해결함이 프레임워크의 목표중 하나</a:t>
+            </a:r>
+            <a:endParaRPr lang="en-US" altLang="ko-KR">
+              <a:latin typeface="맑은 고딕" panose="020B0503020000020004" pitchFamily="50" charset="-127"/>
+              <a:ea typeface="맑은 고딕" panose="020B0503020000020004" pitchFamily="50" charset="-127"/>
+            </a:endParaRPr>
+          </a:p>
+          <a:p>
+            <a:pPr lvl="2"/>
+            <a:r>
+              <a:rPr lang="ko-KR" altLang="en-US">
+                <a:latin typeface="맑은 고딕" panose="020B0503020000020004" pitchFamily="50" charset="-127"/>
+                <a:ea typeface="맑은 고딕" panose="020B0503020000020004" pitchFamily="50" charset="-127"/>
+              </a:rPr>
+              <a:t>마이바티스</a:t>
+            </a:r>
+            <a:r>
+              <a:rPr lang="en-US" altLang="ko-KR">
+                <a:latin typeface="맑은 고딕" panose="020B0503020000020004" pitchFamily="50" charset="-127"/>
+                <a:ea typeface="맑은 고딕" panose="020B0503020000020004" pitchFamily="50" charset="-127"/>
+              </a:rPr>
+              <a:t>, JPA </a:t>
+            </a:r>
+            <a:r>
+              <a:rPr lang="ko-KR" altLang="en-US">
+                <a:latin typeface="맑은 고딕" panose="020B0503020000020004" pitchFamily="50" charset="-127"/>
+                <a:ea typeface="맑은 고딕" panose="020B0503020000020004" pitchFamily="50" charset="-127"/>
+              </a:rPr>
+              <a:t>등</a:t>
+            </a:r>
+            <a:endParaRPr lang="en-US" altLang="ko-KR">
+              <a:latin typeface="맑은 고딕" panose="020B0503020000020004" pitchFamily="50" charset="-127"/>
+              <a:ea typeface="맑은 고딕" panose="020B0503020000020004" pitchFamily="50" charset="-127"/>
+            </a:endParaRPr>
+          </a:p>
+          <a:p>
+            <a:r>
+              <a:rPr lang="en-US" altLang="ko-KR">
+                <a:latin typeface="맑은 고딕" panose="020B0503020000020004" pitchFamily="50" charset="-127"/>
+                <a:ea typeface="맑은 고딕" panose="020B0503020000020004" pitchFamily="50" charset="-127"/>
+              </a:rPr>
+              <a:t>SQL </a:t>
+            </a:r>
+            <a:r>
               <a:rPr lang="ko-KR" altLang="en-US"/>
-              <a:t>서비스 </a:t>
+              <a:t>의존 문제를 해결하기 위한 프레임워크 기능</a:t>
+            </a:r>
+            <a:endParaRPr lang="en-US" altLang="ko-KR" dirty="0">
+              <a:latin typeface="맑은 고딕" panose="020B0503020000020004" pitchFamily="50" charset="-127"/>
+              <a:ea typeface="맑은 고딕" panose="020B0503020000020004" pitchFamily="50" charset="-127"/>
+            </a:endParaRPr>
+          </a:p>
+          <a:p>
+            <a:pPr lvl="1"/>
+            <a:r>
+              <a:rPr lang="ko-KR" altLang="en-US" dirty="0">
+                <a:latin typeface="맑은 고딕" panose="020B0503020000020004" pitchFamily="50" charset="-127"/>
+                <a:ea typeface="맑은 고딕" panose="020B0503020000020004" pitchFamily="50" charset="-127"/>
+              </a:rPr>
+              <a:t>트랜잭션 </a:t>
+            </a:r>
+            <a:r>
+              <a:rPr lang="en-US" altLang="ko-KR" dirty="0">
+                <a:latin typeface="맑은 고딕" panose="020B0503020000020004" pitchFamily="50" charset="-127"/>
+                <a:ea typeface="맑은 고딕" panose="020B0503020000020004" pitchFamily="50" charset="-127"/>
+              </a:rPr>
+              <a:t>: Transaction</a:t>
+            </a:r>
+            <a:r>
+              <a:rPr lang="en-US" altLang="ko-KR">
+                <a:latin typeface="맑은 고딕" panose="020B0503020000020004" pitchFamily="50" charset="-127"/>
+                <a:ea typeface="맑은 고딕" panose="020B0503020000020004" pitchFamily="50" charset="-127"/>
+              </a:rPr>
+              <a:t>.java</a:t>
+            </a:r>
+          </a:p>
+          <a:p>
+            <a:pPr lvl="2"/>
+            <a:r>
+              <a:rPr lang="en-US" altLang="ko-KR">
+                <a:latin typeface="맑은 고딕" panose="020B0503020000020004" pitchFamily="50" charset="-127"/>
+                <a:ea typeface="맑은 고딕" panose="020B0503020000020004" pitchFamily="50" charset="-127"/>
+              </a:rPr>
+              <a:t>TransactionContext.java</a:t>
+            </a:r>
+            <a:endParaRPr lang="en-US" altLang="ko-KR" dirty="0">
+              <a:latin typeface="맑은 고딕" panose="020B0503020000020004" pitchFamily="50" charset="-127"/>
+              <a:ea typeface="맑은 고딕" panose="020B0503020000020004" pitchFamily="50" charset="-127"/>
+            </a:endParaRPr>
+          </a:p>
+          <a:p>
+            <a:pPr lvl="1"/>
+            <a:r>
+              <a:rPr lang="en-US" altLang="ko-KR" dirty="0"/>
+              <a:t>SQL </a:t>
+            </a:r>
+            <a:r>
+              <a:rPr lang="ko-KR" altLang="en-US" dirty="0"/>
+              <a:t>실행</a:t>
+            </a:r>
+            <a:r>
+              <a:rPr lang="en-US" altLang="ko-KR" dirty="0"/>
+              <a:t> : SqlRunner</a:t>
+            </a:r>
+            <a:r>
+              <a:rPr lang="en-US" altLang="ko-KR">
+                <a:latin typeface="맑은 고딕" panose="020B0503020000020004" pitchFamily="50" charset="-127"/>
+                <a:ea typeface="맑은 고딕" panose="020B0503020000020004" pitchFamily="50" charset="-127"/>
+              </a:rPr>
+              <a:t>.java</a:t>
+            </a:r>
+          </a:p>
+          <a:p>
+            <a:pPr lvl="2"/>
+            <a:r>
+              <a:rPr lang="en-US" altLang="ko-KR"/>
+              <a:t>Sql.java</a:t>
+            </a:r>
+            <a:endParaRPr lang="en-US" altLang="ko-KR" dirty="0">
+              <a:latin typeface="맑은 고딕" panose="020B0503020000020004" pitchFamily="50" charset="-127"/>
+              <a:ea typeface="맑은 고딕" panose="020B0503020000020004" pitchFamily="50" charset="-127"/>
+            </a:endParaRPr>
+          </a:p>
+          <a:p>
+            <a:pPr lvl="1"/>
+            <a:r>
+              <a:rPr lang="en-US" altLang="ko-KR" dirty="0"/>
+              <a:t>SQL </a:t>
             </a:r>
             <a:r>
               <a:rPr lang="ko-KR" altLang="en-US" dirty="0"/>
@@ -17726,65 +18560,22 @@
             </a:r>
             <a:r>
               <a:rPr lang="en-US" altLang="ko-KR" dirty="0"/>
-              <a:t>= </a:t>
-            </a:r>
-            <a:r>
-              <a:rPr lang="ko-KR" altLang="en-US" dirty="0"/>
-              <a:t>데이터</a:t>
-            </a:r>
-            <a:endParaRPr lang="en-US" altLang="ko-KR" dirty="0"/>
-          </a:p>
-          <a:p>
-            <a:r>
-              <a:rPr lang="ko-KR" altLang="en-US" dirty="0"/>
-              <a:t>일관성 </a:t>
-            </a:r>
-            <a:r>
-              <a:rPr lang="en-US" altLang="ko-KR" dirty="0"/>
-              <a:t>: </a:t>
-            </a:r>
-            <a:r>
-              <a:rPr lang="ko-KR" altLang="en-US" dirty="0"/>
-              <a:t>데이터가 같은 것</a:t>
-            </a:r>
-            <a:endParaRPr lang="en-US" altLang="ko-KR" dirty="0"/>
-          </a:p>
-          <a:p>
-            <a:r>
-              <a:rPr lang="ko-KR" altLang="en-US" dirty="0"/>
-              <a:t>무결성 </a:t>
-            </a:r>
-            <a:r>
-              <a:rPr lang="en-US" altLang="ko-KR" dirty="0"/>
-              <a:t>: </a:t>
-            </a:r>
-            <a:r>
-              <a:rPr lang="ko-KR" altLang="en-US" dirty="0"/>
-              <a:t>데이터의 규칙이 같은 것</a:t>
-            </a:r>
-            <a:endParaRPr lang="en-US" altLang="ko-KR" dirty="0"/>
-          </a:p>
-          <a:p>
-            <a:r>
-              <a:rPr lang="ko-KR" altLang="en-US" dirty="0"/>
-              <a:t>영속성 </a:t>
-            </a:r>
-            <a:r>
-              <a:rPr lang="en-US" altLang="ko-KR" dirty="0"/>
-              <a:t>: </a:t>
-            </a:r>
-            <a:r>
-              <a:rPr lang="ko-KR" altLang="en-US" dirty="0"/>
-              <a:t>시스템이 다시 시작할 때 데이터가 같은 것</a:t>
-            </a:r>
-            <a:endParaRPr lang="en-US" altLang="ko-KR" dirty="0"/>
+              <a:t>: Table</a:t>
+            </a:r>
+            <a:r>
+              <a:rPr lang="en-US" altLang="ko-KR" dirty="0">
+                <a:latin typeface="맑은 고딕" panose="020B0503020000020004" pitchFamily="50" charset="-127"/>
+                <a:ea typeface="맑은 고딕" panose="020B0503020000020004" pitchFamily="50" charset="-127"/>
+              </a:rPr>
+              <a:t>.java</a:t>
+            </a:r>
           </a:p>
         </p:txBody>
       </p:sp>
     </p:spTree>
     <p:extLst>
       <p:ext uri="{BB962C8B-B14F-4D97-AF65-F5344CB8AC3E}">
-        <p14:creationId xmlns:p14="http://schemas.microsoft.com/office/powerpoint/2010/main" val="404669511"/>
+        <p14:creationId xmlns:p14="http://schemas.microsoft.com/office/powerpoint/2010/main" val="2817832534"/>
       </p:ext>
     </p:extLst>
   </p:cSld>
@@ -17825,7 +18616,13 @@
       </p:grpSpPr>
       <p:sp>
         <p:nvSpPr>
-          <p:cNvPr id="2" name="제목 1"/>
+          <p:cNvPr id="2" name="제목 1">
+            <a:extLst>
+              <a:ext uri="{FF2B5EF4-FFF2-40B4-BE49-F238E27FC236}">
+                <a16:creationId xmlns:a16="http://schemas.microsoft.com/office/drawing/2014/main" id="{BA5D0597-4C5A-4BCD-822E-643F66B48745}"/>
+              </a:ext>
+            </a:extLst>
+          </p:cNvPr>
           <p:cNvSpPr>
             <a:spLocks noGrp="1"/>
           </p:cNvSpPr>
@@ -17835,34 +18632,29 @@
         </p:nvSpPr>
         <p:spPr/>
         <p:txBody>
-          <a:bodyPr rtlCol="0"/>
+          <a:bodyPr/>
           <a:lstStyle/>
           <a:p>
-            <a:pPr rtl="0"/>
+            <a:r>
+              <a:rPr lang="en-US" altLang="ko-KR" dirty="0"/>
+              <a:t>DBMS </a:t>
+            </a:r>
             <a:r>
               <a:rPr lang="ko-KR" altLang="en-US" dirty="0"/>
-              <a:t>일관성과 무결성을 위해 </a:t>
-            </a:r>
-            <a:r>
-              <a:rPr lang="en-US" altLang="ko-KR" dirty="0">
-                <a:latin typeface="맑은 고딕" panose="020B0503020000020004" pitchFamily="50" charset="-127"/>
-                <a:ea typeface="맑은 고딕" panose="020B0503020000020004" pitchFamily="50" charset="-127"/>
-              </a:rPr>
-              <a:t>DBMS </a:t>
-            </a:r>
-            <a:r>
-              <a:rPr lang="ko-KR" altLang="en-US" dirty="0">
-                <a:latin typeface="맑은 고딕" panose="020B0503020000020004" pitchFamily="50" charset="-127"/>
-                <a:ea typeface="맑은 고딕" panose="020B0503020000020004" pitchFamily="50" charset="-127"/>
-              </a:rPr>
-              <a:t>가 제공하는 기능</a:t>
+              <a:t>를 사용하는 이유</a:t>
             </a:r>
           </a:p>
         </p:txBody>
       </p:sp>
       <p:sp>
         <p:nvSpPr>
-          <p:cNvPr id="3" name="내용 개체 틀 2"/>
+          <p:cNvPr id="3" name="내용 개체 틀 2">
+            <a:extLst>
+              <a:ext uri="{FF2B5EF4-FFF2-40B4-BE49-F238E27FC236}">
+                <a16:creationId xmlns:a16="http://schemas.microsoft.com/office/drawing/2014/main" id="{0C9231FF-28EB-4164-A188-3E920050747B}"/>
+              </a:ext>
+            </a:extLst>
+          </p:cNvPr>
           <p:cNvSpPr>
             <a:spLocks noGrp="1"/>
           </p:cNvSpPr>
@@ -17872,138 +18664,132 @@
         </p:nvSpPr>
         <p:spPr/>
         <p:txBody>
-          <a:bodyPr rtlCol="0">
-            <a:normAutofit/>
-          </a:bodyPr>
+          <a:bodyPr/>
           <a:lstStyle/>
           <a:p>
-            <a:pPr rtl="0"/>
-            <a:r>
-              <a:rPr lang="ko-KR" altLang="en-US" dirty="0">
-                <a:latin typeface="맑은 고딕" panose="020B0503020000020004" pitchFamily="50" charset="-127"/>
-                <a:ea typeface="맑은 고딕" panose="020B0503020000020004" pitchFamily="50" charset="-127"/>
-              </a:rPr>
-              <a:t>트랜잭션</a:t>
-            </a:r>
-            <a:endParaRPr lang="en-US" altLang="ko-KR" dirty="0">
-              <a:latin typeface="맑은 고딕" panose="020B0503020000020004" pitchFamily="50" charset="-127"/>
-              <a:ea typeface="맑은 고딕" panose="020B0503020000020004" pitchFamily="50" charset="-127"/>
-            </a:endParaRPr>
+            <a:r>
+              <a:rPr lang="ko-KR" altLang="en-US"/>
+              <a:t>비즈니스로직 결과 </a:t>
+            </a:r>
+            <a:r>
+              <a:rPr lang="en-US" altLang="ko-KR"/>
+              <a:t>= </a:t>
+            </a:r>
+            <a:r>
+              <a:rPr lang="ko-KR" altLang="en-US"/>
+              <a:t>데이터</a:t>
+            </a:r>
+            <a:endParaRPr lang="en-US" altLang="ko-KR"/>
+          </a:p>
+          <a:p>
+            <a:r>
+              <a:rPr lang="ko-KR" altLang="en-US"/>
+              <a:t>데이터의 품질을 보장해야 함</a:t>
+            </a:r>
+            <a:endParaRPr lang="en-US" altLang="ko-KR" dirty="0"/>
           </a:p>
           <a:p>
             <a:pPr lvl="1"/>
             <a:r>
               <a:rPr lang="ko-KR" altLang="en-US" dirty="0"/>
-              <a:t>한 개 이상의 </a:t>
+              <a:t>일관성 </a:t>
             </a:r>
             <a:r>
               <a:rPr lang="en-US" altLang="ko-KR" dirty="0"/>
-              <a:t>SQL </a:t>
+              <a:t>: </a:t>
             </a:r>
             <a:r>
               <a:rPr lang="ko-KR" altLang="en-US" dirty="0"/>
-              <a:t>이 논리적으로 묶인 단위 </a:t>
+              <a:t>데이터가 </a:t>
+            </a:r>
+            <a:r>
+              <a:rPr lang="ko-KR" altLang="en-US"/>
+              <a:t>같은 것</a:t>
+            </a:r>
+            <a:endParaRPr lang="en-US" altLang="ko-KR"/>
+          </a:p>
+          <a:p>
+            <a:pPr lvl="2"/>
+            <a:r>
+              <a:rPr lang="ko-KR" altLang="en-US"/>
+              <a:t>트랜잭션 직렬성</a:t>
+            </a:r>
+            <a:endParaRPr lang="en-US" altLang="ko-KR" dirty="0"/>
+          </a:p>
+          <a:p>
+            <a:pPr lvl="1"/>
+            <a:r>
+              <a:rPr lang="ko-KR" altLang="en-US" dirty="0"/>
+              <a:t>무결성 </a:t>
             </a:r>
             <a:r>
               <a:rPr lang="en-US" altLang="ko-KR" dirty="0"/>
-              <a:t>(</a:t>
-            </a:r>
-            <a:r>
-              <a:rPr lang="en-US" altLang="ko-KR" dirty="0">
-                <a:solidFill>
-                  <a:srgbClr val="FF0000"/>
-                </a:solidFill>
-              </a:rPr>
-              <a:t>ALL or NOTHING</a:t>
+              <a:t>: </a:t>
+            </a:r>
+            <a:r>
+              <a:rPr lang="ko-KR" altLang="en-US" dirty="0"/>
+              <a:t>데이터의 규칙이 </a:t>
+            </a:r>
+            <a:r>
+              <a:rPr lang="ko-KR" altLang="en-US"/>
+              <a:t>같은 것</a:t>
+            </a:r>
+            <a:endParaRPr lang="en-US" altLang="ko-KR"/>
+          </a:p>
+          <a:p>
+            <a:pPr lvl="2"/>
+            <a:r>
+              <a:rPr lang="en-US" altLang="ko-KR"/>
+              <a:t>PK, FK, </a:t>
+            </a:r>
+            <a:r>
+              <a:rPr lang="ko-KR" altLang="en-US"/>
+              <a:t>도메인규칙</a:t>
+            </a:r>
+            <a:endParaRPr lang="en-US" altLang="ko-KR" dirty="0"/>
+          </a:p>
+          <a:p>
+            <a:pPr lvl="1"/>
+            <a:r>
+              <a:rPr lang="ko-KR" altLang="en-US" dirty="0"/>
+              <a:t>영속성 </a:t>
             </a:r>
             <a:r>
               <a:rPr lang="en-US" altLang="ko-KR" dirty="0"/>
-              <a:t>)</a:t>
-            </a:r>
-          </a:p>
-          <a:p>
-            <a:pPr lvl="1"/>
-            <a:r>
-              <a:rPr lang="en-US" altLang="ko-KR" dirty="0">
-                <a:latin typeface="맑은 고딕" panose="020B0503020000020004" pitchFamily="50" charset="-127"/>
-                <a:ea typeface="맑은 고딕" panose="020B0503020000020004" pitchFamily="50" charset="-127"/>
-              </a:rPr>
-              <a:t>ACID : </a:t>
-            </a:r>
-            <a:r>
-              <a:rPr lang="ko-KR" altLang="en-US" dirty="0">
-                <a:latin typeface="맑은 고딕" panose="020B0503020000020004" pitchFamily="50" charset="-127"/>
-                <a:ea typeface="맑은 고딕" panose="020B0503020000020004" pitchFamily="50" charset="-127"/>
-              </a:rPr>
-              <a:t>트랜잭션이 가져야 할 조건</a:t>
-            </a:r>
-            <a:endParaRPr lang="en-US" altLang="ko-KR" dirty="0">
-              <a:latin typeface="맑은 고딕" panose="020B0503020000020004" pitchFamily="50" charset="-127"/>
-              <a:ea typeface="맑은 고딕" panose="020B0503020000020004" pitchFamily="50" charset="-127"/>
-            </a:endParaRPr>
-          </a:p>
-          <a:p>
-            <a:pPr lvl="1"/>
-            <a:r>
-              <a:rPr lang="en-US" altLang="ko-KR" dirty="0">
-                <a:latin typeface="맑은 고딕" panose="020B0503020000020004" pitchFamily="50" charset="-127"/>
-                <a:ea typeface="맑은 고딕" panose="020B0503020000020004" pitchFamily="50" charset="-127"/>
-              </a:rPr>
-              <a:t>LDIC : </a:t>
-            </a:r>
-            <a:r>
-              <a:rPr lang="ko-KR" altLang="en-US" dirty="0">
-                <a:latin typeface="맑은 고딕" panose="020B0503020000020004" pitchFamily="50" charset="-127"/>
-                <a:ea typeface="맑은 고딕" panose="020B0503020000020004" pitchFamily="50" charset="-127"/>
-              </a:rPr>
-              <a:t>트랜잭션 직렬성을 위해 하지 말아야 할 조건</a:t>
-            </a:r>
-            <a:endParaRPr lang="en-US" altLang="ko-KR" dirty="0">
-              <a:latin typeface="맑은 고딕" panose="020B0503020000020004" pitchFamily="50" charset="-127"/>
-              <a:ea typeface="맑은 고딕" panose="020B0503020000020004" pitchFamily="50" charset="-127"/>
-            </a:endParaRPr>
-          </a:p>
-          <a:p>
-            <a:pPr lvl="1"/>
-            <a:r>
-              <a:rPr lang="en-US" altLang="ko-KR" dirty="0"/>
-              <a:t>MVCC</a:t>
+              <a:t>: </a:t>
             </a:r>
             <a:r>
               <a:rPr lang="ko-KR" altLang="en-US" dirty="0"/>
-              <a:t> </a:t>
-            </a:r>
-            <a:r>
-              <a:rPr lang="en-US" altLang="ko-KR" dirty="0"/>
-              <a:t>:</a:t>
-            </a:r>
-            <a:r>
-              <a:rPr lang="ko-KR" altLang="en-US" dirty="0"/>
-              <a:t> 로그선행기록</a:t>
-            </a:r>
-            <a:r>
-              <a:rPr lang="en-US" altLang="ko-KR" dirty="0"/>
-              <a:t>(WAL</a:t>
+              <a:t>시스템이 다시 시작할 때 데이터가 </a:t>
+            </a:r>
+            <a:r>
+              <a:rPr lang="ko-KR" altLang="en-US"/>
+              <a:t>같은 것</a:t>
+            </a:r>
+            <a:endParaRPr lang="en-US" altLang="ko-KR"/>
+          </a:p>
+          <a:p>
+            <a:pPr lvl="2"/>
+            <a:r>
+              <a:rPr lang="ko-KR" altLang="en-US"/>
+              <a:t>로그파일</a:t>
             </a:r>
             <a:r>
               <a:rPr lang="en-US" altLang="ko-KR"/>
-              <a:t>), UNDO</a:t>
+              <a:t>, </a:t>
             </a:r>
             <a:r>
               <a:rPr lang="ko-KR" altLang="en-US"/>
-              <a:t> 영역 사용 조회 성능향상</a:t>
-            </a:r>
-            <a:endParaRPr lang="ko-KR" altLang="en-US" dirty="0">
-              <a:latin typeface="맑은 고딕" panose="020B0503020000020004" pitchFamily="50" charset="-127"/>
-              <a:ea typeface="맑은 고딕" panose="020B0503020000020004" pitchFamily="50" charset="-127"/>
-            </a:endParaRPr>
+              <a:t>회복</a:t>
+            </a:r>
+            <a:endParaRPr lang="en-US" altLang="ko-KR" dirty="0"/>
           </a:p>
         </p:txBody>
       </p:sp>
     </p:spTree>
     <p:extLst>
       <p:ext uri="{BB962C8B-B14F-4D97-AF65-F5344CB8AC3E}">
-        <p14:creationId xmlns:p14="http://schemas.microsoft.com/office/powerpoint/2010/main" val="3984617762"/>
+        <p14:creationId xmlns:p14="http://schemas.microsoft.com/office/powerpoint/2010/main" val="404669511"/>
       </p:ext>
     </p:extLst>
   </p:cSld>
@@ -18059,11 +18845,14 @@
           <a:p>
             <a:pPr rtl="0"/>
             <a:r>
-              <a:rPr lang="ko-KR" altLang="en-US" dirty="0"/>
-              <a:t>일관성과 무결성을 위해 </a:t>
-            </a:r>
-            <a:r>
-              <a:rPr lang="en-US" altLang="ko-KR" dirty="0">
+              <a:rPr lang="ko-KR" altLang="en-US"/>
+              <a:t>일관성과 무결성 그리고 영속성을 위해</a:t>
+            </a:r>
+            <a:br>
+              <a:rPr lang="en-US" altLang="ko-KR"/>
+            </a:br>
+            <a:r>
+              <a:rPr lang="en-US" altLang="ko-KR">
                 <a:latin typeface="맑은 고딕" panose="020B0503020000020004" pitchFamily="50" charset="-127"/>
                 <a:ea typeface="맑은 고딕" panose="020B0503020000020004" pitchFamily="50" charset="-127"/>
               </a:rPr>
@@ -18098,8 +18887,92 @@
           <a:p>
             <a:pPr rtl="0"/>
             <a:r>
+              <a:rPr lang="en-US" altLang="ko-KR"/>
+              <a:t>DBMS</a:t>
+            </a:r>
+            <a:r>
+              <a:rPr lang="ko-KR" altLang="en-US"/>
+              <a:t> 주요 기능</a:t>
+            </a:r>
+            <a:endParaRPr lang="en-US" altLang="ko-KR"/>
+          </a:p>
+          <a:p>
+            <a:pPr lvl="1"/>
+            <a:r>
+              <a:rPr lang="en-US" altLang="ko-KR"/>
+              <a:t>DB : </a:t>
+            </a:r>
+            <a:r>
+              <a:rPr lang="ko-KR" altLang="en-US"/>
+              <a:t>실시간데이터</a:t>
+            </a:r>
+            <a:r>
+              <a:rPr lang="en-US" altLang="ko-KR"/>
+              <a:t>, </a:t>
+            </a:r>
+            <a:r>
+              <a:rPr lang="ko-KR" altLang="en-US"/>
+              <a:t>지속적갱신</a:t>
+            </a:r>
+            <a:r>
+              <a:rPr lang="en-US" altLang="ko-KR"/>
+              <a:t>, </a:t>
+            </a:r>
+            <a:r>
+              <a:rPr lang="ko-KR" altLang="en-US"/>
+              <a:t>내용에의한참조</a:t>
+            </a:r>
+            <a:r>
+              <a:rPr lang="en-US" altLang="ko-KR"/>
+              <a:t> </a:t>
+            </a:r>
+            <a:r>
+              <a:rPr lang="ko-KR" altLang="en-US"/>
+              <a:t>등</a:t>
+            </a:r>
+            <a:endParaRPr lang="en-US" altLang="ko-KR"/>
+          </a:p>
+          <a:p>
+            <a:pPr lvl="1"/>
+            <a:r>
+              <a:rPr lang="ko-KR" altLang="en-US"/>
+              <a:t>트랜잭션 </a:t>
+            </a:r>
+            <a:r>
+              <a:rPr lang="en-US" altLang="ko-KR"/>
+              <a:t>: </a:t>
+            </a:r>
+            <a:r>
+              <a:rPr lang="ko-KR" altLang="en-US"/>
+              <a:t>한 </a:t>
+            </a:r>
+            <a:r>
+              <a:rPr lang="ko-KR" altLang="en-US" dirty="0"/>
+              <a:t>개 이상의 </a:t>
+            </a:r>
+            <a:r>
               <a:rPr lang="en-US" altLang="ko-KR" dirty="0"/>
-              <a:t>SQL</a:t>
+              <a:t>SQL </a:t>
+            </a:r>
+            <a:r>
+              <a:rPr lang="ko-KR" altLang="en-US" dirty="0"/>
+              <a:t>이 논리적으로 묶인 단위 </a:t>
+            </a:r>
+            <a:r>
+              <a:rPr lang="en-US" altLang="ko-KR" dirty="0"/>
+              <a:t>(</a:t>
+            </a:r>
+            <a:r>
+              <a:rPr lang="en-US" altLang="ko-KR" dirty="0">
+                <a:solidFill>
+                  <a:srgbClr val="FF0000"/>
+                </a:solidFill>
+              </a:rPr>
+              <a:t>ALL or NOTHING</a:t>
+            </a:r>
+            <a:r>
+              <a:rPr lang="en-US" altLang="ko-KR" dirty="0"/>
+              <a:t>)</a:t>
             </a:r>
           </a:p>
           <a:p>
@@ -18109,8 +18982,19 @@
                 <a:latin typeface="맑은 고딕" panose="020B0503020000020004" pitchFamily="50" charset="-127"/>
                 <a:ea typeface="맑은 고딕" panose="020B0503020000020004" pitchFamily="50" charset="-127"/>
               </a:rPr>
-              <a:t>DML : C / R / U / D</a:t>
-            </a:r>
+              <a:t>ACID : </a:t>
+            </a:r>
+            <a:r>
+              <a:rPr lang="ko-KR" altLang="en-US" dirty="0">
+                <a:latin typeface="맑은 고딕" panose="020B0503020000020004" pitchFamily="50" charset="-127"/>
+                <a:ea typeface="맑은 고딕" panose="020B0503020000020004" pitchFamily="50" charset="-127"/>
+              </a:rPr>
+              <a:t>트랜잭션이 가져야 할 조건</a:t>
+            </a:r>
+            <a:endParaRPr lang="en-US" altLang="ko-KR" dirty="0">
+              <a:latin typeface="맑은 고딕" panose="020B0503020000020004" pitchFamily="50" charset="-127"/>
+              <a:ea typeface="맑은 고딕" panose="020B0503020000020004" pitchFamily="50" charset="-127"/>
+            </a:endParaRPr>
           </a:p>
           <a:p>
             <a:pPr lvl="1"/>
@@ -18119,11 +19003,14 @@
                 <a:latin typeface="맑은 고딕" panose="020B0503020000020004" pitchFamily="50" charset="-127"/>
                 <a:ea typeface="맑은 고딕" panose="020B0503020000020004" pitchFamily="50" charset="-127"/>
               </a:rPr>
-              <a:t>DCL : commit, rollback, revoke </a:t>
-            </a:r>
-            <a:r>
-              <a:rPr lang="ko-KR" altLang="en-US" dirty="0"/>
-              <a:t>등</a:t>
+              <a:t>LDIC : </a:t>
+            </a:r>
+            <a:r>
+              <a:rPr lang="ko-KR" altLang="en-US" dirty="0">
+                <a:latin typeface="맑은 고딕" panose="020B0503020000020004" pitchFamily="50" charset="-127"/>
+                <a:ea typeface="맑은 고딕" panose="020B0503020000020004" pitchFamily="50" charset="-127"/>
+              </a:rPr>
+              <a:t>트랜잭션 직렬성을 위해 하지 말아야 할 조건</a:t>
             </a:r>
             <a:endParaRPr lang="en-US" altLang="ko-KR" dirty="0">
               <a:latin typeface="맑은 고딕" panose="020B0503020000020004" pitchFamily="50" charset="-127"/>
@@ -18134,13 +19021,95 @@
             <a:pPr lvl="1"/>
             <a:r>
               <a:rPr lang="en-US" altLang="ko-KR" dirty="0"/>
-              <a:t>DDL : create table, create datafile </a:t>
+              <a:t>MVCC</a:t>
             </a:r>
             <a:r>
               <a:rPr lang="ko-KR" altLang="en-US" dirty="0"/>
-              <a:t>등</a:t>
+              <a:t> </a:t>
+            </a:r>
+            <a:r>
+              <a:rPr lang="en-US" altLang="ko-KR" dirty="0"/>
+              <a:t>:</a:t>
+            </a:r>
+            <a:r>
+              <a:rPr lang="ko-KR" altLang="en-US" dirty="0"/>
+              <a:t> 로그선행기록</a:t>
+            </a:r>
+            <a:r>
+              <a:rPr lang="en-US" altLang="ko-KR" dirty="0"/>
+              <a:t>(WAL</a:t>
+            </a:r>
+            <a:r>
+              <a:rPr lang="en-US" altLang="ko-KR"/>
+              <a:t>), UNDO</a:t>
+            </a:r>
+            <a:r>
+              <a:rPr lang="ko-KR" altLang="en-US"/>
+              <a:t> 영역 사용 조회 성능향상</a:t>
+            </a:r>
+            <a:endParaRPr lang="en-US" altLang="ko-KR"/>
+          </a:p>
+          <a:p>
+            <a:r>
+              <a:rPr lang="ko-KR" altLang="en-US">
+                <a:solidFill>
+                  <a:srgbClr val="FF0000"/>
+                </a:solidFill>
+              </a:rPr>
+              <a:t>코드 구현이 아닌 </a:t>
+            </a:r>
+            <a:r>
+              <a:rPr lang="en-US" altLang="ko-KR">
+                <a:solidFill>
+                  <a:srgbClr val="FF0000"/>
+                </a:solidFill>
+              </a:rPr>
+              <a:t>SQL</a:t>
+            </a:r>
+            <a:r>
+              <a:rPr lang="ko-KR" altLang="en-US">
+                <a:solidFill>
+                  <a:srgbClr val="FF0000"/>
+                </a:solidFill>
+              </a:rPr>
+              <a:t>을 이용 일관성</a:t>
+            </a:r>
+            <a:r>
+              <a:rPr lang="en-US" altLang="ko-KR">
+                <a:solidFill>
+                  <a:srgbClr val="FF0000"/>
+                </a:solidFill>
+              </a:rPr>
+              <a:t>, </a:t>
+            </a:r>
+            <a:r>
+              <a:rPr lang="ko-KR" altLang="en-US">
+                <a:solidFill>
+                  <a:srgbClr val="FF0000"/>
+                </a:solidFill>
+              </a:rPr>
+              <a:t>무결성</a:t>
+            </a:r>
+            <a:r>
+              <a:rPr lang="en-US" altLang="ko-KR">
+                <a:solidFill>
+                  <a:srgbClr val="FF0000"/>
+                </a:solidFill>
+              </a:rPr>
+              <a:t>, </a:t>
+            </a:r>
+            <a:r>
+              <a:rPr lang="ko-KR" altLang="en-US">
+                <a:solidFill>
+                  <a:srgbClr val="FF0000"/>
+                </a:solidFill>
+              </a:rPr>
+              <a:t>영속성 해결</a:t>
             </a:r>
             <a:endParaRPr lang="ko-KR" altLang="en-US" dirty="0">
+              <a:solidFill>
+                <a:srgbClr val="FF0000"/>
+              </a:solidFill>
               <a:latin typeface="맑은 고딕" panose="020B0503020000020004" pitchFamily="50" charset="-127"/>
               <a:ea typeface="맑은 고딕" panose="020B0503020000020004" pitchFamily="50" charset="-127"/>
             </a:endParaRPr>
@@ -18150,7 +19119,7 @@
     </p:spTree>
     <p:extLst>
       <p:ext uri="{BB962C8B-B14F-4D97-AF65-F5344CB8AC3E}">
-        <p14:creationId xmlns:p14="http://schemas.microsoft.com/office/powerpoint/2010/main" val="1853879232"/>
+        <p14:creationId xmlns:p14="http://schemas.microsoft.com/office/powerpoint/2010/main" val="3984617762"/>
       </p:ext>
     </p:extLst>
   </p:cSld>
@@ -18207,15 +19176,24 @@
             <a:pPr rtl="0"/>
             <a:r>
               <a:rPr lang="ko-KR" altLang="en-US"/>
-              <a:t>서비스 구현에 사용되는 </a:t>
-            </a:r>
-            <a:r>
+              <a:t>일관성과 무결성 그리고 영속성을 위해</a:t>
+            </a:r>
+            <a:br>
               <a:rPr lang="en-US" altLang="ko-KR"/>
+            </a:br>
+            <a:r>
+              <a:rPr lang="en-US" altLang="ko-KR">
+                <a:latin typeface="맑은 고딕" panose="020B0503020000020004" pitchFamily="50" charset="-127"/>
+                <a:ea typeface="맑은 고딕" panose="020B0503020000020004" pitchFamily="50" charset="-127"/>
+              </a:rPr>
               <a:t>DBMS </a:t>
             </a:r>
             <a:r>
-              <a:rPr lang="ko-KR" altLang="en-US" dirty="0"/>
-              <a:t>기능</a:t>
+              <a:rPr lang="ko-KR" altLang="en-US">
+                <a:latin typeface="맑은 고딕" panose="020B0503020000020004" pitchFamily="50" charset="-127"/>
+                <a:ea typeface="맑은 고딕" panose="020B0503020000020004" pitchFamily="50" charset="-127"/>
+              </a:rPr>
+              <a:t>가 제공하는 기능</a:t>
             </a:r>
             <a:endParaRPr lang="ko-KR" altLang="en-US" dirty="0">
               <a:latin typeface="맑은 고딕" panose="020B0503020000020004" pitchFamily="50" charset="-127"/>
@@ -18241,220 +19219,130 @@
           </a:bodyPr>
           <a:lstStyle/>
           <a:p>
-            <a:r>
-              <a:rPr lang="ko-KR" altLang="en-US" dirty="0">
+            <a:pPr rtl="0"/>
+            <a:r>
+              <a:rPr lang="en-US" altLang="ko-KR"/>
+              <a:t>SQL</a:t>
+            </a:r>
+          </a:p>
+          <a:p>
+            <a:pPr lvl="1"/>
+            <a:r>
+              <a:rPr lang="en-US" altLang="ko-KR"/>
+              <a:t>DDL : create table, create datafile </a:t>
+            </a:r>
+            <a:r>
+              <a:rPr lang="ko-KR" altLang="en-US"/>
+              <a:t>등</a:t>
+            </a:r>
+            <a:r>
+              <a:rPr lang="en-US" altLang="ko-KR"/>
+              <a:t>	</a:t>
+            </a:r>
+          </a:p>
+          <a:p>
+            <a:pPr lvl="2"/>
+            <a:r>
+              <a:rPr lang="ko-KR" altLang="en-US"/>
+              <a:t>물리테이블</a:t>
+            </a:r>
+            <a:endParaRPr lang="en-US" altLang="ko-KR"/>
+          </a:p>
+          <a:p>
+            <a:pPr lvl="1"/>
+            <a:r>
+              <a:rPr lang="en-US" altLang="ko-KR">
                 <a:latin typeface="맑은 고딕" panose="020B0503020000020004" pitchFamily="50" charset="-127"/>
                 <a:ea typeface="맑은 고딕" panose="020B0503020000020004" pitchFamily="50" charset="-127"/>
               </a:rPr>
+              <a:t>DCL : commit, rollback, revoke </a:t>
+            </a:r>
+            <a:r>
+              <a:rPr lang="ko-KR" altLang="en-US"/>
+              <a:t>등</a:t>
+            </a:r>
+            <a:endParaRPr lang="en-US" altLang="ko-KR"/>
+          </a:p>
+          <a:p>
+            <a:pPr lvl="2"/>
+            <a:r>
+              <a:rPr lang="ko-KR" altLang="en-US"/>
               <a:t>트랜잭션</a:t>
+            </a:r>
+            <a:endParaRPr lang="en-US" altLang="ko-KR" dirty="0"/>
+          </a:p>
+          <a:p>
+            <a:pPr lvl="1"/>
+            <a:r>
+              <a:rPr lang="en-US" altLang="ko-KR" dirty="0">
+                <a:latin typeface="맑은 고딕" panose="020B0503020000020004" pitchFamily="50" charset="-127"/>
+                <a:ea typeface="맑은 고딕" panose="020B0503020000020004" pitchFamily="50" charset="-127"/>
+              </a:rPr>
+              <a:t>DML : C / R / U </a:t>
+            </a:r>
+            <a:r>
+              <a:rPr lang="en-US" altLang="ko-KR">
+                <a:latin typeface="맑은 고딕" panose="020B0503020000020004" pitchFamily="50" charset="-127"/>
+                <a:ea typeface="맑은 고딕" panose="020B0503020000020004" pitchFamily="50" charset="-127"/>
+              </a:rPr>
+              <a:t>/ D</a:t>
+            </a:r>
+          </a:p>
+          <a:p>
+            <a:pPr lvl="2"/>
+            <a:r>
+              <a:rPr lang="ko-KR" altLang="en-US"/>
+              <a:t>논리테이블</a:t>
+            </a:r>
+            <a:r>
+              <a:rPr lang="en-US" altLang="ko-KR"/>
+              <a:t>, </a:t>
+            </a:r>
+            <a:r>
+              <a:rPr lang="ko-KR" altLang="en-US"/>
+              <a:t>데이터</a:t>
+            </a:r>
+            <a:endParaRPr lang="en-US" altLang="ko-KR"/>
+          </a:p>
+          <a:p>
+            <a:r>
+              <a:rPr lang="ko-KR" altLang="en-US">
+                <a:solidFill>
+                  <a:srgbClr val="FF0000"/>
+                </a:solidFill>
+                <a:latin typeface="맑은 고딕" panose="020B0503020000020004" pitchFamily="50" charset="-127"/>
+                <a:ea typeface="맑은 고딕" panose="020B0503020000020004" pitchFamily="50" charset="-127"/>
+              </a:rPr>
+              <a:t>개발자의 코드에서 사용하는 </a:t>
+            </a:r>
+            <a:r>
+              <a:rPr lang="en-US" altLang="ko-KR">
+                <a:solidFill>
+                  <a:srgbClr val="FF0000"/>
+                </a:solidFill>
+                <a:latin typeface="맑은 고딕" panose="020B0503020000020004" pitchFamily="50" charset="-127"/>
+                <a:ea typeface="맑은 고딕" panose="020B0503020000020004" pitchFamily="50" charset="-127"/>
+              </a:rPr>
+              <a:t>SQL</a:t>
+            </a:r>
+          </a:p>
+          <a:p>
+            <a:pPr lvl="1"/>
+            <a:r>
+              <a:rPr lang="en-US" altLang="ko-KR"/>
+              <a:t>DML + commit, rollback</a:t>
             </a:r>
             <a:endParaRPr lang="en-US" altLang="ko-KR" dirty="0">
               <a:latin typeface="맑은 고딕" panose="020B0503020000020004" pitchFamily="50" charset="-127"/>
               <a:ea typeface="맑은 고딕" panose="020B0503020000020004" pitchFamily="50" charset="-127"/>
             </a:endParaRPr>
           </a:p>
-          <a:p>
-            <a:pPr lvl="1"/>
-            <a:r>
-              <a:rPr lang="ko-KR" altLang="en-US" dirty="0"/>
-              <a:t>트랜잭션 자원 관리 </a:t>
-            </a:r>
-            <a:r>
-              <a:rPr lang="en-US" altLang="ko-KR" dirty="0"/>
-              <a:t>: Connection </a:t>
-            </a:r>
-            <a:r>
-              <a:rPr lang="ko-KR" altLang="en-US" dirty="0"/>
-              <a:t>객체</a:t>
-            </a:r>
-            <a:endParaRPr lang="en-US" altLang="ko-KR" dirty="0"/>
-          </a:p>
-          <a:p>
-            <a:pPr lvl="1"/>
-            <a:r>
-              <a:rPr lang="en-US" altLang="ko-KR" dirty="0"/>
-              <a:t>ALL or NOTHING</a:t>
-            </a:r>
-            <a:r>
-              <a:rPr lang="ko-KR" altLang="en-US" dirty="0"/>
-              <a:t> 기준 정의 </a:t>
-            </a:r>
-            <a:r>
-              <a:rPr lang="en-US" altLang="ko-KR" dirty="0"/>
-              <a:t>: </a:t>
-            </a:r>
-            <a:r>
-              <a:rPr lang="en-US" altLang="ko-KR" dirty="0">
-                <a:latin typeface="맑은 고딕" panose="020B0503020000020004" pitchFamily="50" charset="-127"/>
-                <a:ea typeface="맑은 고딕" panose="020B0503020000020004" pitchFamily="50" charset="-127"/>
-              </a:rPr>
-              <a:t>commit, rollback</a:t>
-            </a:r>
-            <a:endParaRPr lang="en-US" altLang="ko-KR" dirty="0"/>
-          </a:p>
-          <a:p>
-            <a:pPr rtl="0"/>
-            <a:r>
-              <a:rPr lang="en-US" altLang="ko-KR" dirty="0"/>
-              <a:t>SQL</a:t>
-            </a:r>
-          </a:p>
-          <a:p>
-            <a:pPr lvl="1"/>
-            <a:r>
-              <a:rPr lang="en-US" altLang="ko-KR" dirty="0">
-                <a:latin typeface="맑은 고딕" panose="020B0503020000020004" pitchFamily="50" charset="-127"/>
-                <a:ea typeface="맑은 고딕" panose="020B0503020000020004" pitchFamily="50" charset="-127"/>
-              </a:rPr>
-              <a:t>SQL </a:t>
-            </a:r>
-            <a:r>
-              <a:rPr lang="ko-KR" altLang="en-US" dirty="0"/>
-              <a:t>실행</a:t>
-            </a:r>
-            <a:r>
-              <a:rPr lang="en-US" altLang="ko-KR" dirty="0">
-                <a:latin typeface="맑은 고딕" panose="020B0503020000020004" pitchFamily="50" charset="-127"/>
-                <a:ea typeface="맑은 고딕" panose="020B0503020000020004" pitchFamily="50" charset="-127"/>
-              </a:rPr>
-              <a:t> : C / R / U / D</a:t>
-            </a:r>
-          </a:p>
-          <a:p>
-            <a:pPr lvl="1"/>
-            <a:r>
-              <a:rPr lang="en-US" altLang="ko-KR" dirty="0"/>
-              <a:t>SQL </a:t>
-            </a:r>
-            <a:r>
-              <a:rPr lang="ko-KR" altLang="en-US" dirty="0"/>
-              <a:t>결과 </a:t>
-            </a:r>
-            <a:r>
-              <a:rPr lang="en-US" altLang="ko-KR" dirty="0"/>
-              <a:t>: TABLE </a:t>
-            </a:r>
-            <a:r>
-              <a:rPr lang="ko-KR" altLang="en-US" dirty="0"/>
-              <a:t>또는 </a:t>
-            </a:r>
-            <a:r>
-              <a:rPr lang="en-US" altLang="ko-KR" dirty="0"/>
-              <a:t>int</a:t>
-            </a:r>
-            <a:endParaRPr lang="ko-KR" altLang="en-US" dirty="0">
-              <a:latin typeface="맑은 고딕" panose="020B0503020000020004" pitchFamily="50" charset="-127"/>
-              <a:ea typeface="맑은 고딕" panose="020B0503020000020004" pitchFamily="50" charset="-127"/>
-            </a:endParaRPr>
-          </a:p>
         </p:txBody>
       </p:sp>
-      <mc:AlternateContent xmlns:mc="http://schemas.openxmlformats.org/markup-compatibility/2006">
-        <mc:Choice xmlns:p14="http://schemas.microsoft.com/office/powerpoint/2010/main" Requires="p14">
-          <p:contentPart p14:bwMode="auto" r:id="rId3">
-            <p14:nvContentPartPr>
-              <p14:cNvPr id="15" name="잉크 14">
-                <a:extLst>
-                  <a:ext uri="{FF2B5EF4-FFF2-40B4-BE49-F238E27FC236}">
-                    <a16:creationId xmlns:a16="http://schemas.microsoft.com/office/drawing/2014/main" id="{5F1CAFD2-8149-47AF-A2D0-A3004375D369}"/>
-                  </a:ext>
-                </a:extLst>
-              </p14:cNvPr>
-              <p14:cNvContentPartPr/>
-              <p14:nvPr/>
-            </p14:nvContentPartPr>
-            <p14:xfrm>
-              <a:off x="1955580" y="5700307"/>
-              <a:ext cx="15120" cy="228600"/>
-            </p14:xfrm>
-          </p:contentPart>
-        </mc:Choice>
-        <mc:Fallback>
-          <p:pic>
-            <p:nvPicPr>
-              <p:cNvPr id="15" name="잉크 14">
-                <a:extLst>
-                  <a:ext uri="{FF2B5EF4-FFF2-40B4-BE49-F238E27FC236}">
-                    <a16:creationId xmlns:a16="http://schemas.microsoft.com/office/drawing/2014/main" id="{5F1CAFD2-8149-47AF-A2D0-A3004375D369}"/>
-                  </a:ext>
-                </a:extLst>
-              </p:cNvPr>
-              <p:cNvPicPr/>
-              <p:nvPr/>
-            </p:nvPicPr>
-            <p:blipFill>
-              <a:blip r:embed="rId4"/>
-              <a:stretch>
-                <a:fillRect/>
-              </a:stretch>
-            </p:blipFill>
-            <p:spPr>
-              <a:xfrm>
-                <a:off x="1946580" y="5691307"/>
-                <a:ext cx="32760" cy="246240"/>
-              </a:xfrm>
-              <a:prstGeom prst="rect">
-                <a:avLst/>
-              </a:prstGeom>
-            </p:spPr>
-          </p:pic>
-        </mc:Fallback>
-      </mc:AlternateContent>
-      <mc:AlternateContent xmlns:mc="http://schemas.openxmlformats.org/markup-compatibility/2006">
-        <mc:Choice xmlns:p14="http://schemas.microsoft.com/office/powerpoint/2010/main" Requires="p14">
-          <p:contentPart p14:bwMode="auto" r:id="rId5">
-            <p14:nvContentPartPr>
-              <p14:cNvPr id="23" name="잉크 22">
-                <a:extLst>
-                  <a:ext uri="{FF2B5EF4-FFF2-40B4-BE49-F238E27FC236}">
-                    <a16:creationId xmlns:a16="http://schemas.microsoft.com/office/drawing/2014/main" id="{BA44D784-EF4D-4DE5-957F-44A98A8B1FF7}"/>
-                  </a:ext>
-                </a:extLst>
-              </p14:cNvPr>
-              <p14:cNvContentPartPr/>
-              <p14:nvPr/>
-            </p14:nvContentPartPr>
-            <p14:xfrm>
-              <a:off x="6857700" y="6854827"/>
-              <a:ext cx="61560" cy="57240"/>
-            </p14:xfrm>
-          </p:contentPart>
-        </mc:Choice>
-        <mc:Fallback>
-          <p:pic>
-            <p:nvPicPr>
-              <p:cNvPr id="23" name="잉크 22">
-                <a:extLst>
-                  <a:ext uri="{FF2B5EF4-FFF2-40B4-BE49-F238E27FC236}">
-                    <a16:creationId xmlns:a16="http://schemas.microsoft.com/office/drawing/2014/main" id="{BA44D784-EF4D-4DE5-957F-44A98A8B1FF7}"/>
-                  </a:ext>
-                </a:extLst>
-              </p:cNvPr>
-              <p:cNvPicPr/>
-              <p:nvPr/>
-            </p:nvPicPr>
-            <p:blipFill>
-              <a:blip r:embed="rId6"/>
-              <a:stretch>
-                <a:fillRect/>
-              </a:stretch>
-            </p:blipFill>
-            <p:spPr>
-              <a:xfrm>
-                <a:off x="6849060" y="6845827"/>
-                <a:ext cx="79200" cy="74880"/>
-              </a:xfrm>
-              <a:prstGeom prst="rect">
-                <a:avLst/>
-              </a:prstGeom>
-            </p:spPr>
-          </p:pic>
-        </mc:Fallback>
-      </mc:AlternateContent>
     </p:spTree>
     <p:extLst>
       <p:ext uri="{BB962C8B-B14F-4D97-AF65-F5344CB8AC3E}">
-        <p14:creationId xmlns:p14="http://schemas.microsoft.com/office/powerpoint/2010/main" val="2631054826"/>
+        <p14:creationId xmlns:p14="http://schemas.microsoft.com/office/powerpoint/2010/main" val="1853879232"/>
       </p:ext>
     </p:extLst>
   </p:cSld>
@@ -18573,30 +19461,6 @@
           <a:p>
             <a:pPr lvl="1"/>
             <a:r>
-              <a:rPr lang="en-US" altLang="ko-KR">
-                <a:latin typeface="맑은 고딕" panose="020B0503020000020004" pitchFamily="50" charset="-127"/>
-                <a:ea typeface="맑은 고딕" panose="020B0503020000020004" pitchFamily="50" charset="-127"/>
-              </a:rPr>
-              <a:t>DBMS</a:t>
-            </a:r>
-            <a:r>
-              <a:rPr lang="ko-KR" altLang="en-US">
-                <a:latin typeface="맑은 고딕" panose="020B0503020000020004" pitchFamily="50" charset="-127"/>
-                <a:ea typeface="맑은 고딕" panose="020B0503020000020004" pitchFamily="50" charset="-127"/>
-              </a:rPr>
-              <a:t>는 서비스의 일관성과 무결성 그리고 영속성을 위해 사용합니다</a:t>
-            </a:r>
-            <a:r>
-              <a:rPr lang="en-US" altLang="ko-KR">
-                <a:latin typeface="맑은 고딕" panose="020B0503020000020004" pitchFamily="50" charset="-127"/>
-                <a:ea typeface="맑은 고딕" panose="020B0503020000020004" pitchFamily="50" charset="-127"/>
-              </a:rPr>
-              <a:t>.</a:t>
-            </a:r>
-          </a:p>
-          <a:p>
-            <a:pPr lvl="1"/>
-            <a:r>
               <a:rPr lang="en-US" altLang="ko-KR"/>
               <a:t>SQL</a:t>
             </a:r>
@@ -18621,28 +19485,30 @@
           </a:p>
           <a:p>
             <a:r>
-              <a:rPr lang="en-US" altLang="ko-KR">
+              <a:rPr lang="ko-KR" altLang="en-US">
+                <a:solidFill>
+                  <a:srgbClr val="FF0000"/>
+                </a:solidFill>
                 <a:latin typeface="맑은 고딕" panose="020B0503020000020004" pitchFamily="50" charset="-127"/>
                 <a:ea typeface="맑은 고딕" panose="020B0503020000020004" pitchFamily="50" charset="-127"/>
               </a:rPr>
-              <a:t>SQL </a:t>
-            </a:r>
-            <a:r>
-              <a:rPr lang="ko-KR" altLang="en-US" dirty="0">
+              <a:t>개발자의 코드에서 사용하는 </a:t>
+            </a:r>
+            <a:r>
+              <a:rPr lang="en-US" altLang="ko-KR">
+                <a:solidFill>
+                  <a:srgbClr val="FF0000"/>
+                </a:solidFill>
                 <a:latin typeface="맑은 고딕" panose="020B0503020000020004" pitchFamily="50" charset="-127"/>
                 <a:ea typeface="맑은 고딕" panose="020B0503020000020004" pitchFamily="50" charset="-127"/>
               </a:rPr>
-              <a:t>기능</a:t>
-            </a:r>
-            <a:endParaRPr lang="en-US" altLang="ko-KR" dirty="0">
-              <a:latin typeface="맑은 고딕" panose="020B0503020000020004" pitchFamily="50" charset="-127"/>
-              <a:ea typeface="맑은 고딕" panose="020B0503020000020004" pitchFamily="50" charset="-127"/>
-            </a:endParaRPr>
+              <a:t>SQL</a:t>
+            </a:r>
           </a:p>
           <a:p>
             <a:pPr lvl="1"/>
             <a:r>
-              <a:rPr lang="ko-KR" altLang="en-US" dirty="0">
+              <a:rPr lang="ko-KR" altLang="en-US">
                 <a:latin typeface="맑은 고딕" panose="020B0503020000020004" pitchFamily="50" charset="-127"/>
                 <a:ea typeface="맑은 고딕" panose="020B0503020000020004" pitchFamily="50" charset="-127"/>
               </a:rPr>
@@ -18688,32 +19554,28 @@
               <a:t>SQL </a:t>
             </a:r>
             <a:r>
-              <a:rPr lang="ko-KR" altLang="en-US" dirty="0"/>
+              <a:rPr lang="ko-KR" altLang="en-US"/>
               <a:t>실행</a:t>
             </a:r>
             <a:r>
-              <a:rPr lang="en-US" altLang="ko-KR" dirty="0"/>
-              <a:t> : CRUD  SQL, </a:t>
-            </a:r>
-            <a:r>
-              <a:rPr lang="ko-KR" altLang="en-US" dirty="0"/>
-              <a:t>정적</a:t>
-            </a:r>
-            <a:r>
-              <a:rPr lang="en-US" altLang="ko-KR" dirty="0"/>
+              <a:rPr lang="en-US" altLang="ko-KR"/>
+              <a:t> : DML </a:t>
+            </a:r>
+            <a:r>
+              <a:rPr lang="ko-KR" altLang="en-US"/>
+              <a:t>과 이를 실행하는 정적</a:t>
+            </a:r>
+            <a:r>
+              <a:rPr lang="en-US" altLang="ko-KR"/>
               <a:t>/</a:t>
             </a:r>
             <a:r>
-              <a:rPr lang="ko-KR" altLang="en-US" dirty="0"/>
-              <a:t>동적 </a:t>
-            </a:r>
-            <a:r>
-              <a:rPr lang="en-US" altLang="ko-KR" dirty="0"/>
-              <a:t>SQL </a:t>
-            </a:r>
-            <a:r>
-              <a:rPr lang="ko-KR" altLang="en-US" dirty="0"/>
-              <a:t>실행</a:t>
+              <a:rPr lang="ko-KR" altLang="en-US"/>
+              <a:t>동적</a:t>
+            </a:r>
+            <a:r>
+              <a:rPr lang="en-US" altLang="ko-KR"/>
+              <a:t>SQL</a:t>
             </a:r>
             <a:endParaRPr lang="en-US" altLang="ko-KR" dirty="0">
               <a:latin typeface="맑은 고딕" panose="020B0503020000020004" pitchFamily="50" charset="-127"/>
@@ -18732,13 +19594,102 @@
             </a:r>
             <a:r>
               <a:rPr lang="en-US" altLang="ko-KR" dirty="0"/>
-              <a:t>: VO(DTO), get, set </a:t>
-            </a:r>
-            <a:r>
-              <a:rPr lang="ko-KR" altLang="en-US" dirty="0"/>
-              <a:t>메소드</a:t>
+              <a:t>: VO(</a:t>
+            </a:r>
+            <a:r>
+              <a:rPr lang="en-US" altLang="ko-KR"/>
+              <a:t>DTO) </a:t>
+            </a:r>
+            <a:r>
+              <a:rPr lang="ko-KR" altLang="en-US"/>
+              <a:t>또는 컬랙션 또는 </a:t>
+            </a:r>
+            <a:r>
+              <a:rPr lang="en-US" altLang="ko-KR"/>
+              <a:t>int</a:t>
+            </a:r>
+          </a:p>
+          <a:p>
+            <a:r>
+              <a:rPr lang="ko-KR" altLang="en-US">
+                <a:solidFill>
+                  <a:srgbClr val="FF0000"/>
+                </a:solidFill>
+                <a:latin typeface="맑은 고딕" panose="020B0503020000020004" pitchFamily="50" charset="-127"/>
+                <a:ea typeface="맑은 고딕" panose="020B0503020000020004" pitchFamily="50" charset="-127"/>
+              </a:rPr>
+              <a:t>트랜잭션</a:t>
+            </a:r>
+            <a:r>
+              <a:rPr lang="en-US" altLang="ko-KR">
+                <a:solidFill>
+                  <a:srgbClr val="FF0000"/>
+                </a:solidFill>
+                <a:latin typeface="맑은 고딕" panose="020B0503020000020004" pitchFamily="50" charset="-127"/>
+                <a:ea typeface="맑은 고딕" panose="020B0503020000020004" pitchFamily="50" charset="-127"/>
+              </a:rPr>
+              <a:t>, SQL </a:t>
+            </a:r>
+            <a:r>
+              <a:rPr lang="ko-KR" altLang="en-US">
+                <a:solidFill>
+                  <a:srgbClr val="FF0000"/>
+                </a:solidFill>
+                <a:latin typeface="맑은 고딕" panose="020B0503020000020004" pitchFamily="50" charset="-127"/>
+                <a:ea typeface="맑은 고딕" panose="020B0503020000020004" pitchFamily="50" charset="-127"/>
+              </a:rPr>
+              <a:t>실행</a:t>
+            </a:r>
+            <a:r>
+              <a:rPr lang="en-US" altLang="ko-KR">
+                <a:solidFill>
+                  <a:srgbClr val="FF0000"/>
+                </a:solidFill>
+                <a:latin typeface="맑은 고딕" panose="020B0503020000020004" pitchFamily="50" charset="-127"/>
+                <a:ea typeface="맑은 고딕" panose="020B0503020000020004" pitchFamily="50" charset="-127"/>
+              </a:rPr>
+              <a:t>, SQL </a:t>
+            </a:r>
+            <a:r>
+              <a:rPr lang="ko-KR" altLang="en-US">
+                <a:solidFill>
+                  <a:srgbClr val="FF0000"/>
+                </a:solidFill>
+                <a:latin typeface="맑은 고딕" panose="020B0503020000020004" pitchFamily="50" charset="-127"/>
+                <a:ea typeface="맑은 고딕" panose="020B0503020000020004" pitchFamily="50" charset="-127"/>
+              </a:rPr>
+              <a:t>결과를 프레임워크 기능으로 개발</a:t>
+            </a:r>
+            <a:endParaRPr lang="en-US" altLang="ko-KR">
+              <a:solidFill>
+                <a:srgbClr val="FF0000"/>
+              </a:solidFill>
+              <a:latin typeface="맑은 고딕" panose="020B0503020000020004" pitchFamily="50" charset="-127"/>
+              <a:ea typeface="맑은 고딕" panose="020B0503020000020004" pitchFamily="50" charset="-127"/>
+            </a:endParaRPr>
+          </a:p>
+          <a:p>
+            <a:pPr lvl="1"/>
+            <a:r>
+              <a:rPr lang="en-US" altLang="ko-KR">
+                <a:solidFill>
+                  <a:srgbClr val="FF0000"/>
+                </a:solidFill>
+              </a:rPr>
+              <a:t>SQL </a:t>
+            </a:r>
+            <a:r>
+              <a:rPr lang="ko-KR" altLang="en-US">
+                <a:solidFill>
+                  <a:srgbClr val="FF0000"/>
+                </a:solidFill>
+              </a:rPr>
+              <a:t>의존문제 해결</a:t>
             </a:r>
             <a:endParaRPr lang="en-US" altLang="ko-KR" dirty="0">
+              <a:solidFill>
+                <a:srgbClr val="FF0000"/>
+              </a:solidFill>
               <a:latin typeface="맑은 고딕" panose="020B0503020000020004" pitchFamily="50" charset="-127"/>
               <a:ea typeface="맑은 고딕" panose="020B0503020000020004" pitchFamily="50" charset="-127"/>
             </a:endParaRPr>
@@ -18802,49 +19753,175 @@
           <a:bodyPr rtlCol="0"/>
           <a:lstStyle/>
           <a:p>
+            <a:pPr rtl="0"/>
             <a:r>
               <a:rPr lang="en-US" altLang="ko-KR">
                 <a:latin typeface="맑은 고딕" panose="020B0503020000020004" pitchFamily="50" charset="-127"/>
                 <a:ea typeface="맑은 고딕" panose="020B0503020000020004" pitchFamily="50" charset="-127"/>
               </a:rPr>
-              <a:t>SQL </a:t>
+              <a:t>1) </a:t>
             </a:r>
             <a:r>
               <a:rPr lang="ko-KR" altLang="en-US">
                 <a:latin typeface="맑은 고딕" panose="020B0503020000020004" pitchFamily="50" charset="-127"/>
                 <a:ea typeface="맑은 고딕" panose="020B0503020000020004" pitchFamily="50" charset="-127"/>
               </a:rPr>
-              <a:t>기능</a:t>
-            </a:r>
-            <a:r>
-              <a:rPr lang="en-US" altLang="ko-KR"/>
-              <a:t> - </a:t>
-            </a:r>
-            <a:r>
-              <a:rPr lang="ko-KR" altLang="en-US" dirty="0">
+              <a:t>트랜잭션 기능 개발</a:t>
+            </a:r>
+          </a:p>
+        </p:txBody>
+      </p:sp>
+      <p:sp>
+        <p:nvSpPr>
+          <p:cNvPr id="3" name="내용 개체 틀 2">
+            <a:extLst>
+              <a:ext uri="{FF2B5EF4-FFF2-40B4-BE49-F238E27FC236}">
+                <a16:creationId xmlns:a16="http://schemas.microsoft.com/office/drawing/2014/main" id="{DA62FCA6-426E-41D1-9AF7-D575B841741D}"/>
+              </a:ext>
+            </a:extLst>
+          </p:cNvPr>
+          <p:cNvSpPr>
+            <a:spLocks noGrp="1"/>
+          </p:cNvSpPr>
+          <p:nvPr>
+            <p:ph idx="1"/>
+          </p:nvPr>
+        </p:nvSpPr>
+        <p:spPr/>
+        <p:txBody>
+          <a:bodyPr>
+            <a:normAutofit/>
+          </a:bodyPr>
+          <a:lstStyle/>
+          <a:p>
+            <a:r>
+              <a:rPr lang="ko-KR" altLang="en-US">
                 <a:latin typeface="맑은 고딕" panose="020B0503020000020004" pitchFamily="50" charset="-127"/>
                 <a:ea typeface="맑은 고딕" panose="020B0503020000020004" pitchFamily="50" charset="-127"/>
               </a:rPr>
-              <a:t>트랜잭션</a:t>
-            </a:r>
+              <a:t>트랜잭션 </a:t>
+            </a:r>
+            <a:r>
+              <a:rPr lang="en-US" altLang="ko-KR">
+                <a:latin typeface="맑은 고딕" panose="020B0503020000020004" pitchFamily="50" charset="-127"/>
+                <a:ea typeface="맑은 고딕" panose="020B0503020000020004" pitchFamily="50" charset="-127"/>
+              </a:rPr>
+              <a:t>5</a:t>
+            </a:r>
+            <a:r>
+              <a:rPr lang="ko-KR" altLang="en-US">
+                <a:latin typeface="맑은 고딕" panose="020B0503020000020004" pitchFamily="50" charset="-127"/>
+                <a:ea typeface="맑은 고딕" panose="020B0503020000020004" pitchFamily="50" charset="-127"/>
+              </a:rPr>
+              <a:t>가지 상태</a:t>
+            </a:r>
+            <a:endParaRPr lang="en-US" altLang="ko-KR">
+              <a:latin typeface="맑은 고딕" panose="020B0503020000020004" pitchFamily="50" charset="-127"/>
+              <a:ea typeface="맑은 고딕" panose="020B0503020000020004" pitchFamily="50" charset="-127"/>
+            </a:endParaRPr>
+          </a:p>
+          <a:p>
+            <a:pPr lvl="1"/>
+            <a:r>
+              <a:rPr lang="ko-KR" altLang="en-US">
+                <a:latin typeface="맑은 고딕" panose="020B0503020000020004" pitchFamily="50" charset="-127"/>
+                <a:ea typeface="맑은 고딕" panose="020B0503020000020004" pitchFamily="50" charset="-127"/>
+              </a:rPr>
+              <a:t>실패</a:t>
+            </a:r>
+            <a:endParaRPr lang="en-US" altLang="ko-KR">
+              <a:solidFill>
+                <a:srgbClr val="FF0000"/>
+              </a:solidFill>
+            </a:endParaRPr>
+          </a:p>
+          <a:p>
+            <a:pPr lvl="2"/>
+            <a:r>
+              <a:rPr lang="ko-KR" altLang="en-US">
+                <a:solidFill>
+                  <a:srgbClr val="FF0000"/>
+                </a:solidFill>
+              </a:rPr>
+              <a:t>클라이언트 종료</a:t>
+            </a:r>
+            <a:r>
+              <a:rPr lang="en-US" altLang="ko-KR">
+                <a:solidFill>
+                  <a:srgbClr val="FF0000"/>
+                </a:solidFill>
+              </a:rPr>
+              <a:t>, DBMS </a:t>
+            </a:r>
+            <a:r>
+              <a:rPr lang="ko-KR" altLang="en-US">
+                <a:solidFill>
+                  <a:srgbClr val="FF0000"/>
+                </a:solidFill>
+              </a:rPr>
+              <a:t>종료</a:t>
+            </a:r>
+            <a:r>
+              <a:rPr lang="en-US" altLang="ko-KR">
+                <a:solidFill>
+                  <a:srgbClr val="FF0000"/>
+                </a:solidFill>
+              </a:rPr>
+              <a:t>, rollback </a:t>
+            </a:r>
+            <a:r>
+              <a:rPr lang="ko-KR" altLang="en-US">
+                <a:solidFill>
+                  <a:srgbClr val="FF0000"/>
+                </a:solidFill>
+              </a:rPr>
+              <a:t>호출</a:t>
+            </a:r>
+            <a:endParaRPr lang="en-US" altLang="ko-KR">
+              <a:solidFill>
+                <a:srgbClr val="FF0000"/>
+              </a:solidFill>
+            </a:endParaRPr>
+          </a:p>
+          <a:p>
+            <a:pPr lvl="2"/>
+            <a:r>
+              <a:rPr lang="en-US" altLang="ko-KR">
+                <a:solidFill>
+                  <a:srgbClr val="FF0000"/>
+                </a:solidFill>
+              </a:rPr>
+              <a:t>SQL </a:t>
+            </a:r>
+            <a:r>
+              <a:rPr lang="ko-KR" altLang="en-US">
+                <a:solidFill>
+                  <a:srgbClr val="FF0000"/>
+                </a:solidFill>
+              </a:rPr>
+              <a:t>오류는 실패가 아님</a:t>
+            </a:r>
+            <a:endParaRPr lang="en-US" altLang="ko-KR">
+              <a:solidFill>
+                <a:srgbClr val="FF0000"/>
+              </a:solidFill>
+            </a:endParaRPr>
           </a:p>
         </p:txBody>
       </p:sp>
       <p:pic>
         <p:nvPicPr>
-          <p:cNvPr id="2050" name="Picture 2">
+          <p:cNvPr id="6" name="Picture 2">
             <a:extLst>
               <a:ext uri="{FF2B5EF4-FFF2-40B4-BE49-F238E27FC236}">
-                <a16:creationId xmlns:a16="http://schemas.microsoft.com/office/drawing/2014/main" id="{CA014A8A-B66B-4A53-8190-48A5A5C7FF0E}"/>
+                <a16:creationId xmlns:a16="http://schemas.microsoft.com/office/drawing/2014/main" id="{10C06F51-A6AB-4A38-BD5B-139457AB66C3}"/>
               </a:ext>
             </a:extLst>
           </p:cNvPr>
           <p:cNvPicPr>
-            <a:picLocks noGrp="1" noChangeAspect="1" noChangeArrowheads="1"/>
+            <a:picLocks noChangeAspect="1" noChangeArrowheads="1"/>
           </p:cNvPicPr>
-          <p:nvPr>
-            <p:ph idx="1"/>
-          </p:nvPr>
+          <p:nvPr/>
         </p:nvPicPr>
         <p:blipFill>
           <a:blip r:embed="rId3">
@@ -18861,7 +19938,7 @@
         </p:blipFill>
         <p:spPr bwMode="auto">
           <a:xfrm>
-            <a:off x="1534630" y="2210819"/>
+            <a:off x="1765150" y="3274276"/>
             <a:ext cx="8661700" cy="2218761"/>
           </a:xfrm>
           <a:prstGeom prst="rect">
@@ -18879,112 +19956,10 @@
           </a:extLst>
         </p:spPr>
       </p:pic>
-      <p:sp>
-        <p:nvSpPr>
-          <p:cNvPr id="4" name="TextBox 3">
-            <a:extLst>
-              <a:ext uri="{FF2B5EF4-FFF2-40B4-BE49-F238E27FC236}">
-                <a16:creationId xmlns:a16="http://schemas.microsoft.com/office/drawing/2014/main" id="{3192A41E-38D8-4FD5-9016-8AA654A9D260}"/>
-              </a:ext>
-            </a:extLst>
-          </p:cNvPr>
-          <p:cNvSpPr txBox="1"/>
-          <p:nvPr/>
-        </p:nvSpPr>
-        <p:spPr>
-          <a:xfrm>
-            <a:off x="2762935" y="2026153"/>
-            <a:ext cx="184731" cy="369332"/>
-          </a:xfrm>
-          <a:prstGeom prst="rect">
-            <a:avLst/>
-          </a:prstGeom>
-          <a:noFill/>
-        </p:spPr>
-        <p:txBody>
-          <a:bodyPr wrap="none" rtlCol="0">
-            <a:spAutoFit/>
-          </a:bodyPr>
-          <a:lstStyle/>
-          <a:p>
-            <a:endParaRPr lang="ko-KR" altLang="en-US" dirty="0"/>
-          </a:p>
-        </p:txBody>
-      </p:sp>
-      <p:sp>
-        <p:nvSpPr>
-          <p:cNvPr id="5" name="TextBox 4">
-            <a:extLst>
-              <a:ext uri="{FF2B5EF4-FFF2-40B4-BE49-F238E27FC236}">
-                <a16:creationId xmlns:a16="http://schemas.microsoft.com/office/drawing/2014/main" id="{2AF587FD-C5A5-42F7-9EDC-0E8A57B0C9EE}"/>
-              </a:ext>
-            </a:extLst>
-          </p:cNvPr>
-          <p:cNvSpPr txBox="1"/>
-          <p:nvPr/>
-        </p:nvSpPr>
-        <p:spPr>
-          <a:xfrm>
-            <a:off x="2540024" y="4733128"/>
-            <a:ext cx="3176510" cy="1200329"/>
-          </a:xfrm>
-          <a:prstGeom prst="rect">
-            <a:avLst/>
-          </a:prstGeom>
-          <a:noFill/>
-        </p:spPr>
-        <p:txBody>
-          <a:bodyPr wrap="square" rtlCol="0">
-            <a:spAutoFit/>
-          </a:bodyPr>
-          <a:lstStyle/>
-          <a:p>
-            <a:r>
-              <a:rPr lang="ko-KR" altLang="en-US" dirty="0"/>
-              <a:t>오류</a:t>
-            </a:r>
-            <a:endParaRPr lang="en-US" altLang="ko-KR" dirty="0"/>
-          </a:p>
-          <a:p>
-            <a:pPr marL="342900" indent="-342900">
-              <a:buAutoNum type="arabicPeriod"/>
-            </a:pPr>
-            <a:r>
-              <a:rPr lang="ko-KR" altLang="en-US" dirty="0"/>
-              <a:t>클라이언트 비정상 종료</a:t>
-            </a:r>
-            <a:endParaRPr lang="en-US" altLang="ko-KR" dirty="0"/>
-          </a:p>
-          <a:p>
-            <a:pPr marL="342900" indent="-342900">
-              <a:buAutoNum type="arabicPeriod"/>
-            </a:pPr>
-            <a:r>
-              <a:rPr lang="en-US" altLang="ko-KR" dirty="0"/>
-              <a:t>DBMS </a:t>
-            </a:r>
-            <a:r>
-              <a:rPr lang="ko-KR" altLang="en-US" dirty="0"/>
-              <a:t>다운</a:t>
-            </a:r>
-            <a:endParaRPr lang="en-US" altLang="ko-KR" dirty="0"/>
-          </a:p>
-          <a:p>
-            <a:pPr marL="342900" indent="-342900">
-              <a:buAutoNum type="arabicPeriod"/>
-            </a:pPr>
-            <a:r>
-              <a:rPr lang="en-US" altLang="ko-KR" dirty="0"/>
-              <a:t>DCL : rollback</a:t>
-            </a:r>
-            <a:endParaRPr lang="ko-KR" altLang="en-US" dirty="0"/>
-          </a:p>
-        </p:txBody>
-      </p:sp>
     </p:spTree>
     <p:extLst>
       <p:ext uri="{BB962C8B-B14F-4D97-AF65-F5344CB8AC3E}">
-        <p14:creationId xmlns:p14="http://schemas.microsoft.com/office/powerpoint/2010/main" val="1596653821"/>
+        <p14:creationId xmlns:p14="http://schemas.microsoft.com/office/powerpoint/2010/main" val="1933865820"/>
       </p:ext>
     </p:extLst>
   </p:cSld>
@@ -19044,44 +20019,162 @@
                 <a:latin typeface="맑은 고딕" panose="020B0503020000020004" pitchFamily="50" charset="-127"/>
                 <a:ea typeface="맑은 고딕" panose="020B0503020000020004" pitchFamily="50" charset="-127"/>
               </a:rPr>
-              <a:t>SQL </a:t>
+              <a:t>1) </a:t>
             </a:r>
             <a:r>
               <a:rPr lang="ko-KR" altLang="en-US">
                 <a:latin typeface="맑은 고딕" panose="020B0503020000020004" pitchFamily="50" charset="-127"/>
                 <a:ea typeface="맑은 고딕" panose="020B0503020000020004" pitchFamily="50" charset="-127"/>
               </a:rPr>
-              <a:t>기능 </a:t>
-            </a:r>
-            <a:r>
-              <a:rPr lang="en-US" altLang="ko-KR"/>
-              <a:t>- </a:t>
-            </a:r>
-            <a:r>
-              <a:rPr lang="ko-KR" altLang="en-US" dirty="0">
+              <a:t>트랜잭션 기능 개발</a:t>
+            </a:r>
+          </a:p>
+        </p:txBody>
+      </p:sp>
+      <p:sp>
+        <p:nvSpPr>
+          <p:cNvPr id="3" name="내용 개체 틀 2">
+            <a:extLst>
+              <a:ext uri="{FF2B5EF4-FFF2-40B4-BE49-F238E27FC236}">
+                <a16:creationId xmlns:a16="http://schemas.microsoft.com/office/drawing/2014/main" id="{DA62FCA6-426E-41D1-9AF7-D575B841741D}"/>
+              </a:ext>
+            </a:extLst>
+          </p:cNvPr>
+          <p:cNvSpPr>
+            <a:spLocks noGrp="1"/>
+          </p:cNvSpPr>
+          <p:nvPr>
+            <p:ph idx="1"/>
+          </p:nvPr>
+        </p:nvSpPr>
+        <p:spPr/>
+        <p:txBody>
+          <a:bodyPr>
+            <a:normAutofit/>
+          </a:bodyPr>
+          <a:lstStyle/>
+          <a:p>
+            <a:r>
+              <a:rPr lang="en-US" altLang="ko-KR">
                 <a:latin typeface="맑은 고딕" panose="020B0503020000020004" pitchFamily="50" charset="-127"/>
                 <a:ea typeface="맑은 고딕" panose="020B0503020000020004" pitchFamily="50" charset="-127"/>
               </a:rPr>
-              <a:t>트랜잭션</a:t>
-            </a:r>
+              <a:t>Transaction.java</a:t>
+            </a:r>
+          </a:p>
+          <a:p>
+            <a:pPr lvl="1"/>
+            <a:r>
+              <a:rPr lang="ko-KR" altLang="en-US">
+                <a:latin typeface="맑은 고딕" panose="020B0503020000020004" pitchFamily="50" charset="-127"/>
+                <a:ea typeface="맑은 고딕" panose="020B0503020000020004" pitchFamily="50" charset="-127"/>
+              </a:rPr>
+              <a:t>맴버 객체로 </a:t>
+            </a:r>
+            <a:r>
+              <a:rPr lang="en-US" altLang="ko-KR">
+                <a:latin typeface="맑은 고딕" panose="020B0503020000020004" pitchFamily="50" charset="-127"/>
+                <a:ea typeface="맑은 고딕" panose="020B0503020000020004" pitchFamily="50" charset="-127"/>
+              </a:rPr>
+              <a:t>Connection</a:t>
+            </a:r>
+            <a:r>
+              <a:rPr lang="ko-KR" altLang="en-US">
+                <a:latin typeface="맑은 고딕" panose="020B0503020000020004" pitchFamily="50" charset="-127"/>
+                <a:ea typeface="맑은 고딕" panose="020B0503020000020004" pitchFamily="50" charset="-127"/>
+              </a:rPr>
+              <a:t>를 가짐</a:t>
+            </a:r>
+            <a:endParaRPr lang="en-US" altLang="ko-KR">
+              <a:latin typeface="맑은 고딕" panose="020B0503020000020004" pitchFamily="50" charset="-127"/>
+              <a:ea typeface="맑은 고딕" panose="020B0503020000020004" pitchFamily="50" charset="-127"/>
+            </a:endParaRPr>
+          </a:p>
+          <a:p>
+            <a:pPr lvl="2"/>
+            <a:r>
+              <a:rPr lang="ko-KR" altLang="en-US">
+                <a:solidFill>
+                  <a:srgbClr val="FF0000"/>
+                </a:solidFill>
+                <a:latin typeface="맑은 고딕" panose="020B0503020000020004" pitchFamily="50" charset="-127"/>
+                <a:ea typeface="맑은 고딕" panose="020B0503020000020004" pitchFamily="50" charset="-127"/>
+              </a:rPr>
+              <a:t>위임전략</a:t>
+            </a:r>
+            <a:r>
+              <a:rPr lang="en-US" altLang="ko-KR">
+                <a:solidFill>
+                  <a:srgbClr val="FF0000"/>
+                </a:solidFill>
+              </a:rPr>
+              <a:t>, </a:t>
+            </a:r>
+            <a:r>
+              <a:rPr lang="ko-KR" altLang="en-US">
+                <a:solidFill>
+                  <a:srgbClr val="FF0000"/>
+                </a:solidFill>
+              </a:rPr>
+              <a:t>복잠함을 감춤</a:t>
+            </a:r>
+            <a:endParaRPr lang="en-US" altLang="ko-KR">
+              <a:solidFill>
+                <a:srgbClr val="FF0000"/>
+              </a:solidFill>
+              <a:latin typeface="맑은 고딕" panose="020B0503020000020004" pitchFamily="50" charset="-127"/>
+              <a:ea typeface="맑은 고딕" panose="020B0503020000020004" pitchFamily="50" charset="-127"/>
+            </a:endParaRPr>
+          </a:p>
+          <a:p>
+            <a:pPr lvl="1"/>
+            <a:r>
+              <a:rPr lang="en-US" altLang="ko-KR">
+                <a:solidFill>
+                  <a:srgbClr val="FF0000"/>
+                </a:solidFill>
+                <a:latin typeface="맑은 고딕" panose="020B0503020000020004" pitchFamily="50" charset="-127"/>
+                <a:ea typeface="맑은 고딕" panose="020B0503020000020004" pitchFamily="50" charset="-127"/>
+              </a:rPr>
+              <a:t> </a:t>
+            </a:r>
+            <a:r>
+              <a:rPr lang="en-US" altLang="ko-KR">
+                <a:latin typeface="맑은 고딕" panose="020B0503020000020004" pitchFamily="50" charset="-127"/>
+                <a:ea typeface="맑은 고딕" panose="020B0503020000020004" pitchFamily="50" charset="-127"/>
+              </a:rPr>
+              <a:t>4</a:t>
+            </a:r>
+            <a:r>
+              <a:rPr lang="ko-KR" altLang="en-US">
+                <a:latin typeface="맑은 고딕" panose="020B0503020000020004" pitchFamily="50" charset="-127"/>
+                <a:ea typeface="맑은 고딕" panose="020B0503020000020004" pitchFamily="50" charset="-127"/>
+              </a:rPr>
+              <a:t>개 기능 구현</a:t>
+            </a:r>
+            <a:endParaRPr lang="en-US" altLang="ko-KR" dirty="0">
+              <a:solidFill>
+                <a:srgbClr val="FF0000"/>
+              </a:solidFill>
+              <a:latin typeface="맑은 고딕" panose="020B0503020000020004" pitchFamily="50" charset="-127"/>
+              <a:ea typeface="맑은 고딕" panose="020B0503020000020004" pitchFamily="50" charset="-127"/>
+            </a:endParaRPr>
           </a:p>
         </p:txBody>
       </p:sp>
       <p:pic>
         <p:nvPicPr>
-          <p:cNvPr id="2050" name="Picture 2">
+          <p:cNvPr id="4" name="Picture 2">
             <a:extLst>
               <a:ext uri="{FF2B5EF4-FFF2-40B4-BE49-F238E27FC236}">
-                <a16:creationId xmlns:a16="http://schemas.microsoft.com/office/drawing/2014/main" id="{CA014A8A-B66B-4A53-8190-48A5A5C7FF0E}"/>
+                <a16:creationId xmlns:a16="http://schemas.microsoft.com/office/drawing/2014/main" id="{E6093BC7-D4E0-430B-8404-2EEF5E7E0F55}"/>
               </a:ext>
             </a:extLst>
           </p:cNvPr>
           <p:cNvPicPr>
-            <a:picLocks noGrp="1" noChangeAspect="1" noChangeArrowheads="1"/>
+            <a:picLocks noChangeAspect="1" noChangeArrowheads="1"/>
           </p:cNvPicPr>
-          <p:nvPr>
-            <p:ph idx="1"/>
-          </p:nvPr>
+          <p:nvPr/>
         </p:nvPicPr>
         <p:blipFill>
           <a:blip r:embed="rId3">
@@ -19098,7 +20191,7 @@
         </p:blipFill>
         <p:spPr bwMode="auto">
           <a:xfrm>
-            <a:off x="1534630" y="2210819"/>
+            <a:off x="1765150" y="3274276"/>
             <a:ext cx="8661700" cy="2218761"/>
           </a:xfrm>
           <a:prstGeom prst="rect">
@@ -19118,10 +20211,10 @@
       </p:pic>
       <p:sp>
         <p:nvSpPr>
-          <p:cNvPr id="4" name="TextBox 3">
+          <p:cNvPr id="7" name="TextBox 6">
             <a:extLst>
               <a:ext uri="{FF2B5EF4-FFF2-40B4-BE49-F238E27FC236}">
-                <a16:creationId xmlns:a16="http://schemas.microsoft.com/office/drawing/2014/main" id="{3192A41E-38D8-4FD5-9016-8AA654A9D260}"/>
+                <a16:creationId xmlns:a16="http://schemas.microsoft.com/office/drawing/2014/main" id="{AEFE85EE-F06B-471D-91D1-54B6B00F7F6D}"/>
               </a:ext>
             </a:extLst>
           </p:cNvPr>
@@ -19130,105 +20223,7 @@
         </p:nvSpPr>
         <p:spPr>
           <a:xfrm>
-            <a:off x="2762935" y="2026153"/>
-            <a:ext cx="184731" cy="369332"/>
-          </a:xfrm>
-          <a:prstGeom prst="rect">
-            <a:avLst/>
-          </a:prstGeom>
-          <a:noFill/>
-        </p:spPr>
-        <p:txBody>
-          <a:bodyPr wrap="none" rtlCol="0">
-            <a:spAutoFit/>
-          </a:bodyPr>
-          <a:lstStyle/>
-          <a:p>
-            <a:endParaRPr lang="ko-KR" altLang="en-US" dirty="0"/>
-          </a:p>
-        </p:txBody>
-      </p:sp>
-      <p:sp>
-        <p:nvSpPr>
-          <p:cNvPr id="5" name="TextBox 4">
-            <a:extLst>
-              <a:ext uri="{FF2B5EF4-FFF2-40B4-BE49-F238E27FC236}">
-                <a16:creationId xmlns:a16="http://schemas.microsoft.com/office/drawing/2014/main" id="{2AF587FD-C5A5-42F7-9EDC-0E8A57B0C9EE}"/>
-              </a:ext>
-            </a:extLst>
-          </p:cNvPr>
-          <p:cNvSpPr txBox="1"/>
-          <p:nvPr/>
-        </p:nvSpPr>
-        <p:spPr>
-          <a:xfrm>
-            <a:off x="1751632" y="4226951"/>
-            <a:ext cx="2914758" cy="369332"/>
-          </a:xfrm>
-          <a:prstGeom prst="rect">
-            <a:avLst/>
-          </a:prstGeom>
-        </p:spPr>
-        <p:style>
-          <a:lnRef idx="2">
-            <a:schemeClr val="dk1"/>
-          </a:lnRef>
-          <a:fillRef idx="1">
-            <a:schemeClr val="lt1"/>
-          </a:fillRef>
-          <a:effectRef idx="0">
-            <a:schemeClr val="dk1"/>
-          </a:effectRef>
-          <a:fontRef idx="minor">
-            <a:schemeClr val="dk1"/>
-          </a:fontRef>
-        </p:style>
-        <p:txBody>
-          <a:bodyPr wrap="square" rtlCol="0">
-            <a:spAutoFit/>
-          </a:bodyPr>
-          <a:lstStyle/>
-          <a:p>
-            <a:pPr algn="ctr"/>
-            <a:r>
-              <a:rPr lang="en-US" altLang="ko-KR" dirty="0" err="1">
-                <a:solidFill>
-                  <a:srgbClr val="FF0000"/>
-                </a:solidFill>
-              </a:rPr>
-              <a:t>conn.setAuthCommit</a:t>
-            </a:r>
-            <a:r>
-              <a:rPr lang="en-US" altLang="ko-KR" dirty="0">
-                <a:solidFill>
-                  <a:srgbClr val="FF0000"/>
-                </a:solidFill>
-              </a:rPr>
-              <a:t>(false)</a:t>
-            </a:r>
-            <a:endParaRPr lang="ko-KR" altLang="en-US" dirty="0">
-              <a:solidFill>
-                <a:srgbClr val="FF0000"/>
-              </a:solidFill>
-            </a:endParaRPr>
-          </a:p>
-        </p:txBody>
-      </p:sp>
-      <p:sp>
-        <p:nvSpPr>
-          <p:cNvPr id="7" name="TextBox 6">
-            <a:extLst>
-              <a:ext uri="{FF2B5EF4-FFF2-40B4-BE49-F238E27FC236}">
-                <a16:creationId xmlns:a16="http://schemas.microsoft.com/office/drawing/2014/main" id="{71BDA85D-2C18-4DDF-819B-B87CFBFC60D3}"/>
-              </a:ext>
-            </a:extLst>
-          </p:cNvPr>
-          <p:cNvSpPr txBox="1"/>
-          <p:nvPr/>
-        </p:nvSpPr>
-        <p:spPr>
-          <a:xfrm>
-            <a:off x="7135776" y="3320199"/>
+            <a:off x="7309652" y="5643334"/>
             <a:ext cx="1670977" cy="369332"/>
           </a:xfrm>
           <a:prstGeom prst="rect">
@@ -19257,20 +20252,12 @@
           <a:p>
             <a:pPr algn="ctr"/>
             <a:r>
-              <a:rPr lang="en-US" altLang="ko-KR" dirty="0" err="1">
+              <a:rPr lang="en-US" altLang="ko-KR">
                 <a:solidFill>
                   <a:srgbClr val="FF0000"/>
                 </a:solidFill>
               </a:rPr>
-              <a:t>conn.rollback</a:t>
-            </a:r>
-            <a:r>
-              <a:rPr lang="en-US" altLang="ko-KR" dirty="0">
-                <a:solidFill>
-                  <a:srgbClr val="FF0000"/>
-                </a:solidFill>
-              </a:rPr>
-              <a:t>()</a:t>
+              <a:t>rollback()</a:t>
             </a:r>
             <a:endParaRPr lang="ko-KR" altLang="en-US" dirty="0">
               <a:solidFill>
@@ -19285,7 +20272,7 @@
           <p:cNvPr id="8" name="TextBox 7">
             <a:extLst>
               <a:ext uri="{FF2B5EF4-FFF2-40B4-BE49-F238E27FC236}">
-                <a16:creationId xmlns:a16="http://schemas.microsoft.com/office/drawing/2014/main" id="{B5C65420-5E49-4019-9256-870566E7D9C5}"/>
+                <a16:creationId xmlns:a16="http://schemas.microsoft.com/office/drawing/2014/main" id="{456FCEC6-9F1D-4207-B6F1-89C3C38956A9}"/>
               </a:ext>
             </a:extLst>
           </p:cNvPr>
@@ -19294,7 +20281,7 @@
         </p:nvSpPr>
         <p:spPr>
           <a:xfrm>
-            <a:off x="7135776" y="1830904"/>
+            <a:off x="7309652" y="2695529"/>
             <a:ext cx="1670977" cy="369332"/>
           </a:xfrm>
           <a:prstGeom prst="rect">
@@ -19323,20 +20310,12 @@
           <a:p>
             <a:pPr algn="ctr"/>
             <a:r>
-              <a:rPr lang="en-US" altLang="ko-KR" dirty="0" err="1">
+              <a:rPr lang="en-US" altLang="ko-KR">
                 <a:solidFill>
                   <a:srgbClr val="FF0000"/>
                 </a:solidFill>
               </a:rPr>
-              <a:t>conn.commit</a:t>
-            </a:r>
-            <a:r>
-              <a:rPr lang="en-US" altLang="ko-KR" dirty="0">
-                <a:solidFill>
-                  <a:srgbClr val="FF0000"/>
-                </a:solidFill>
-              </a:rPr>
-              <a:t>()</a:t>
+              <a:t>commit()</a:t>
             </a:r>
             <a:endParaRPr lang="ko-KR" altLang="en-US" dirty="0">
               <a:solidFill>
@@ -19346,10 +20325,84 @@
           </a:p>
         </p:txBody>
       </p:sp>
+      <p:sp>
+        <p:nvSpPr>
+          <p:cNvPr id="9" name="TextBox 8">
+            <a:extLst>
+              <a:ext uri="{FF2B5EF4-FFF2-40B4-BE49-F238E27FC236}">
+                <a16:creationId xmlns:a16="http://schemas.microsoft.com/office/drawing/2014/main" id="{71B442F0-85B3-43B4-A7EF-C078DCD13BCC}"/>
+              </a:ext>
+            </a:extLst>
+          </p:cNvPr>
+          <p:cNvSpPr txBox="1"/>
+          <p:nvPr/>
+        </p:nvSpPr>
+        <p:spPr>
+          <a:xfrm>
+            <a:off x="1476693" y="5000770"/>
+            <a:ext cx="2702739" cy="646331"/>
+          </a:xfrm>
+          <a:prstGeom prst="rect">
+            <a:avLst/>
+          </a:prstGeom>
+        </p:spPr>
+        <p:style>
+          <a:lnRef idx="2">
+            <a:schemeClr val="dk1"/>
+          </a:lnRef>
+          <a:fillRef idx="1">
+            <a:schemeClr val="lt1"/>
+          </a:fillRef>
+          <a:effectRef idx="0">
+            <a:schemeClr val="dk1"/>
+          </a:effectRef>
+          <a:fontRef idx="minor">
+            <a:schemeClr val="dk1"/>
+          </a:fontRef>
+        </p:style>
+        <p:txBody>
+          <a:bodyPr wrap="square" rtlCol="0">
+            <a:spAutoFit/>
+          </a:bodyPr>
+          <a:lstStyle/>
+          <a:p>
+            <a:pPr algn="ctr"/>
+            <a:r>
+              <a:rPr lang="en-US" altLang="ko-KR">
+                <a:solidFill>
+                  <a:srgbClr val="FF0000"/>
+                </a:solidFill>
+              </a:rPr>
+              <a:t>createConnection()</a:t>
+            </a:r>
+            <a:endParaRPr lang="ko-KR" altLang="en-US">
+              <a:solidFill>
+                <a:srgbClr val="FF0000"/>
+              </a:solidFill>
+            </a:endParaRPr>
+          </a:p>
+          <a:p>
+            <a:pPr algn="ctr"/>
+            <a:r>
+              <a:rPr lang="en-US" altLang="ko-KR">
+                <a:solidFill>
+                  <a:srgbClr val="FF0000"/>
+                </a:solidFill>
+              </a:rPr>
+              <a:t>setAutoComitFalse()</a:t>
+            </a:r>
+            <a:endParaRPr lang="ko-KR" altLang="en-US" dirty="0">
+              <a:solidFill>
+                <a:srgbClr val="FF0000"/>
+              </a:solidFill>
+            </a:endParaRPr>
+          </a:p>
+        </p:txBody>
+      </p:sp>
     </p:spTree>
     <p:extLst>
       <p:ext uri="{BB962C8B-B14F-4D97-AF65-F5344CB8AC3E}">
-        <p14:creationId xmlns:p14="http://schemas.microsoft.com/office/powerpoint/2010/main" val="70837351"/>
+        <p14:creationId xmlns:p14="http://schemas.microsoft.com/office/powerpoint/2010/main" val="3824717644"/>
       </p:ext>
     </p:extLst>
   </p:cSld>
@@ -19409,33 +20462,19 @@
                 <a:latin typeface="맑은 고딕" panose="020B0503020000020004" pitchFamily="50" charset="-127"/>
                 <a:ea typeface="맑은 고딕" panose="020B0503020000020004" pitchFamily="50" charset="-127"/>
               </a:rPr>
-              <a:t>SQL </a:t>
+              <a:t>2) SQL </a:t>
             </a:r>
             <a:r>
               <a:rPr lang="ko-KR" altLang="en-US">
                 <a:latin typeface="맑은 고딕" panose="020B0503020000020004" pitchFamily="50" charset="-127"/>
                 <a:ea typeface="맑은 고딕" panose="020B0503020000020004" pitchFamily="50" charset="-127"/>
               </a:rPr>
-              <a:t>기능 </a:t>
-            </a:r>
-            <a:r>
-              <a:rPr lang="en-US" altLang="ko-KR"/>
-              <a:t>- </a:t>
-            </a:r>
-            <a:r>
-              <a:rPr lang="en-US" altLang="ko-KR" dirty="0">
-                <a:latin typeface="맑은 고딕" panose="020B0503020000020004" pitchFamily="50" charset="-127"/>
-                <a:ea typeface="맑은 고딕" panose="020B0503020000020004" pitchFamily="50" charset="-127"/>
-              </a:rPr>
-              <a:t>SQL </a:t>
-            </a:r>
-            <a:r>
-              <a:rPr lang="ko-KR" altLang="en-US" dirty="0">
-                <a:latin typeface="맑은 고딕" panose="020B0503020000020004" pitchFamily="50" charset="-127"/>
-                <a:ea typeface="맑은 고딕" panose="020B0503020000020004" pitchFamily="50" charset="-127"/>
-              </a:rPr>
-              <a:t>실행</a:t>
-            </a:r>
+              <a:t>실행 기능 개발</a:t>
+            </a:r>
+            <a:endParaRPr lang="ko-KR" altLang="en-US" dirty="0">
+              <a:latin typeface="맑은 고딕" panose="020B0503020000020004" pitchFamily="50" charset="-127"/>
+              <a:ea typeface="맑은 고딕" panose="020B0503020000020004" pitchFamily="50" charset="-127"/>
+            </a:endParaRPr>
           </a:p>
         </p:txBody>
       </p:sp>
@@ -19461,16 +20500,16 @@
           <a:lstStyle/>
           <a:p>
             <a:r>
-              <a:rPr lang="en-US" altLang="ko-KR" dirty="0"/>
-              <a:t>CRUD SQL</a:t>
-            </a:r>
-            <a:r>
-              <a:rPr lang="ko-KR" altLang="en-US" dirty="0"/>
-              <a:t> 과 </a:t>
-            </a:r>
-            <a:r>
-              <a:rPr lang="en-US" altLang="ko-KR" dirty="0"/>
-              <a:t>java </a:t>
+              <a:rPr lang="en-US" altLang="ko-KR"/>
+              <a:t>SQL </a:t>
+            </a:r>
+            <a:r>
+              <a:rPr lang="ko-KR" altLang="en-US"/>
+              <a:t>과</a:t>
+            </a:r>
+            <a:r>
+              <a:rPr lang="en-US" altLang="ko-KR"/>
+              <a:t> java </a:t>
             </a:r>
             <a:r>
               <a:rPr lang="ko-KR" altLang="en-US" dirty="0"/>
@@ -19481,14 +20520,42 @@
           <a:p>
             <a:pPr lvl="1"/>
             <a:r>
-              <a:rPr lang="en-US" altLang="ko-KR"/>
+              <a:rPr lang="en-US" altLang="ko-KR">
+                <a:solidFill>
+                  <a:srgbClr val="FF0000"/>
+                </a:solidFill>
+              </a:rPr>
               <a:t>SQL</a:t>
             </a:r>
             <a:r>
-              <a:rPr lang="ko-KR" altLang="en-US"/>
-              <a:t> 을 파일로 관리</a:t>
-            </a:r>
-            <a:endParaRPr lang="en-US" altLang="ko-KR" dirty="0"/>
+              <a:rPr lang="ko-KR" altLang="en-US">
+                <a:solidFill>
+                  <a:srgbClr val="FF0000"/>
+                </a:solidFill>
+              </a:rPr>
+              <a:t> 을 </a:t>
+            </a:r>
+            <a:r>
+              <a:rPr lang="en-US" altLang="ko-KR">
+                <a:solidFill>
+                  <a:srgbClr val="FF0000"/>
+                </a:solidFill>
+              </a:rPr>
+              <a:t>java</a:t>
+            </a:r>
+            <a:r>
+              <a:rPr lang="ko-KR" altLang="en-US">
+                <a:solidFill>
+                  <a:srgbClr val="FF0000"/>
+                </a:solidFill>
+              </a:rPr>
+              <a:t> 가 아닌 곳에 보관</a:t>
+            </a:r>
+            <a:endParaRPr lang="en-US" altLang="ko-KR" dirty="0">
+              <a:solidFill>
+                <a:srgbClr val="FF0000"/>
+              </a:solidFill>
+            </a:endParaRPr>
           </a:p>
           <a:p>
             <a:pPr lvl="1"/>
@@ -19549,14 +20616,50 @@
             </a:r>
             <a:r>
               <a:rPr lang="ko-KR" altLang="en-US" dirty="0"/>
-              <a:t> 변수를 넘겨 실행</a:t>
-            </a:r>
-            <a:endParaRPr lang="en-US" altLang="ko-KR" dirty="0"/>
+              <a:t> 변수를 </a:t>
+            </a:r>
+            <a:r>
+              <a:rPr lang="ko-KR" altLang="en-US"/>
+              <a:t>넘겨 실행</a:t>
+            </a:r>
+            <a:endParaRPr lang="en-US" altLang="ko-KR"/>
+          </a:p>
+          <a:p>
+            <a:pPr lvl="2"/>
+            <a:r>
+              <a:rPr lang="ko-KR" altLang="en-US">
+                <a:solidFill>
+                  <a:srgbClr val="FF0000"/>
+                </a:solidFill>
+              </a:rPr>
+              <a:t>장점 </a:t>
+            </a:r>
+            <a:r>
+              <a:rPr lang="en-US" altLang="ko-KR">
+                <a:solidFill>
+                  <a:srgbClr val="FF0000"/>
+                </a:solidFill>
+              </a:rPr>
+              <a:t>: </a:t>
+            </a:r>
+            <a:r>
+              <a:rPr lang="ko-KR" altLang="en-US">
+                <a:solidFill>
+                  <a:srgbClr val="FF0000"/>
+                </a:solidFill>
+              </a:rPr>
+              <a:t>성능</a:t>
+            </a:r>
+            <a:endParaRPr lang="en-US" altLang="ko-KR">
+              <a:solidFill>
+                <a:srgbClr val="FF0000"/>
+              </a:solidFill>
+            </a:endParaRPr>
           </a:p>
           <a:p>
             <a:pPr lvl="1"/>
             <a:r>
-              <a:rPr lang="ko-KR" altLang="en-US" dirty="0"/>
+              <a:rPr lang="ko-KR" altLang="en-US"/>
               <a:t>동적 </a:t>
             </a:r>
             <a:r>
@@ -19581,16 +20684,52 @@
             </a:r>
             <a:r>
               <a:rPr lang="ko-KR" altLang="en-US" dirty="0"/>
-              <a:t>을 작성하고 바로 실행</a:t>
-            </a:r>
-            <a:endParaRPr lang="en-US" altLang="ko-KR" dirty="0"/>
+              <a:t>을 작성하고 </a:t>
+            </a:r>
+            <a:r>
+              <a:rPr lang="ko-KR" altLang="en-US"/>
+              <a:t>바로 실행</a:t>
+            </a:r>
+            <a:endParaRPr lang="en-US" altLang="ko-KR"/>
+          </a:p>
+          <a:p>
+            <a:pPr lvl="2"/>
+            <a:r>
+              <a:rPr lang="ko-KR" altLang="en-US">
+                <a:solidFill>
+                  <a:srgbClr val="FF0000"/>
+                </a:solidFill>
+              </a:rPr>
+              <a:t>장점 </a:t>
+            </a:r>
+            <a:r>
+              <a:rPr lang="en-US" altLang="ko-KR">
+                <a:solidFill>
+                  <a:srgbClr val="FF0000"/>
+                </a:solidFill>
+              </a:rPr>
+              <a:t>: </a:t>
+            </a:r>
+            <a:r>
+              <a:rPr lang="ko-KR" altLang="en-US">
+                <a:solidFill>
+                  <a:srgbClr val="FF0000"/>
+                </a:solidFill>
+              </a:rPr>
+              <a:t>유연한 개발</a:t>
+            </a:r>
+            <a:endParaRPr lang="en-US" altLang="ko-KR" dirty="0">
+              <a:solidFill>
+                <a:srgbClr val="FF0000"/>
+              </a:solidFill>
+            </a:endParaRPr>
           </a:p>
         </p:txBody>
       </p:sp>
     </p:spTree>
     <p:extLst>
       <p:ext uri="{BB962C8B-B14F-4D97-AF65-F5344CB8AC3E}">
-        <p14:creationId xmlns:p14="http://schemas.microsoft.com/office/powerpoint/2010/main" val="4145999854"/>
+        <p14:creationId xmlns:p14="http://schemas.microsoft.com/office/powerpoint/2010/main" val="3615524285"/>
       </p:ext>
     </p:extLst>
   </p:cSld>

--- a/inflearn03/doc/3.1 DBMS는서비스의일관성과무결성그리고영속성을위해사용합니다.pptx
+++ b/inflearn03/doc/3.1 DBMS는서비스의일관성과무결성그리고영속성을위해사용합니다.pptx
@@ -650,7 +650,7 @@
                 <a:latin typeface="맑은 고딕" panose="020B0503020000020004" pitchFamily="50" charset="-127"/>
                 <a:ea typeface="맑은 고딕" panose="020B0503020000020004" pitchFamily="50" charset="-127"/>
               </a:rPr>
-              <a:t>2021년 6월 25일</a:t>
+              <a:t>2021년 6월 26일</a:t>
             </a:fld>
             <a:endParaRPr lang="ko-KR" altLang="en-US">
               <a:latin typeface="맑은 고딕" panose="020B0503020000020004" pitchFamily="50" charset="-127"/>
@@ -836,7 +836,7 @@
             <a:fld id="{BE16EC8A-0758-4FA9-BF4D-3119057076D1}" type="datetime4">
               <a:rPr lang="ko-KR" altLang="en-US" smtClean="0"/>
               <a:pPr/>
-              <a:t>2021년 6월 25일</a:t>
+              <a:t>2021년 6월 26일</a:t>
             </a:fld>
             <a:endParaRPr lang="ko-KR" altLang="en-US"/>
           </a:p>
@@ -4552,7 +4552,7 @@
           <a:p>
             <a:fld id="{2A5B65E4-62A8-4988-B07B-5D6D443B14ED}" type="datetime4">
               <a:rPr lang="ko-KR" altLang="en-US" smtClean="0"/>
-              <a:t>2021년 6월 25일</a:t>
+              <a:t>2021년 6월 26일</a:t>
             </a:fld>
             <a:endParaRPr lang="ko-KR" altLang="en-US"/>
           </a:p>
@@ -4808,7 +4808,7 @@
           <a:p>
             <a:fld id="{58EB6286-0DE7-4336-9826-977AD102FCF2}" type="datetime4">
               <a:rPr lang="ko-KR" altLang="en-US" noProof="0" smtClean="0"/>
-              <a:t>2021년 6월 25일</a:t>
+              <a:t>2021년 6월 26일</a:t>
             </a:fld>
             <a:endParaRPr lang="ko-KR" altLang="en-US" noProof="0"/>
           </a:p>
@@ -5004,7 +5004,7 @@
             <a:pPr rtl="0"/>
             <a:fld id="{6A5419DA-7218-42E5-A443-F000500111E1}" type="datetime4">
               <a:rPr lang="ko-KR" altLang="en-US" noProof="0" smtClean="0"/>
-              <a:t>2021년 6월 25일</a:t>
+              <a:t>2021년 6월 26일</a:t>
             </a:fld>
             <a:endParaRPr lang="ko-KR" altLang="en-US" noProof="0"/>
           </a:p>
@@ -7405,7 +7405,7 @@
           <a:p>
             <a:fld id="{E498C52F-1DF1-4226-BAB6-C1E2EE4C9D62}" type="datetime4">
               <a:rPr lang="ko-KR" altLang="en-US" noProof="0" smtClean="0"/>
-              <a:t>2021년 6월 25일</a:t>
+              <a:t>2021년 6월 26일</a:t>
             </a:fld>
             <a:endParaRPr lang="ko-KR" altLang="en-US" noProof="0"/>
           </a:p>
@@ -7924,7 +7924,7 @@
           <a:p>
             <a:fld id="{7B1E1FFC-F755-4558-8D3C-A157D1A01A8A}" type="datetime4">
               <a:rPr lang="ko-KR" altLang="en-US" noProof="0" smtClean="0"/>
-              <a:t>2021년 6월 25일</a:t>
+              <a:t>2021년 6월 26일</a:t>
             </a:fld>
             <a:endParaRPr lang="ko-KR" altLang="en-US" noProof="0"/>
           </a:p>
@@ -8068,7 +8068,7 @@
             <a:pPr rtl="0"/>
             <a:fld id="{DA2A33C0-A4A8-4C90-B6DA-35B8CF58C816}" type="datetime4">
               <a:rPr lang="ko-KR" altLang="en-US" noProof="0" smtClean="0"/>
-              <a:t>2021년 6월 25일</a:t>
+              <a:t>2021년 6월 26일</a:t>
             </a:fld>
             <a:endParaRPr lang="ko-KR" altLang="en-US" noProof="0"/>
           </a:p>
@@ -10016,7 +10016,7 @@
           <a:p>
             <a:fld id="{53CB1B8F-A14A-4BE4-A9B9-3B263F04145C}" type="datetime4">
               <a:rPr lang="ko-KR" altLang="en-US" noProof="0" smtClean="0"/>
-              <a:t>2021년 6월 25일</a:t>
+              <a:t>2021년 6월 26일</a:t>
             </a:fld>
             <a:endParaRPr lang="ko-KR" altLang="en-US" noProof="0"/>
           </a:p>
@@ -12313,7 +12313,7 @@
           <a:p>
             <a:fld id="{5B9196A3-957C-4113-A568-B6ED9AEA3D01}" type="datetime4">
               <a:rPr lang="ko-KR" altLang="en-US" noProof="0" smtClean="0"/>
-              <a:t>2021년 6월 25일</a:t>
+              <a:t>2021년 6월 26일</a:t>
             </a:fld>
             <a:endParaRPr lang="ko-KR" altLang="en-US" noProof="0"/>
           </a:p>
@@ -16630,7 +16630,7 @@
           <a:p>
             <a:fld id="{28BEB146-D335-4DA5-9826-58595BCDBE2E}" type="datetime4">
               <a:rPr lang="ko-KR" altLang="en-US" noProof="0" smtClean="0"/>
-              <a:t>2021년 6월 25일</a:t>
+              <a:t>2021년 6월 26일</a:t>
             </a:fld>
             <a:endParaRPr lang="ko-KR" altLang="en-US" noProof="0"/>
           </a:p>
@@ -17176,7 +17176,11 @@
             <a:pPr rtl="0"/>
             <a:r>
               <a:rPr lang="ko-KR" altLang="en-US" sz="1800"/>
-              <a:t>그리고영속성을위해사용합니다</a:t>
+              <a:t>그리고 영속성을 위해 사용합니다</a:t>
+            </a:r>
+            <a:r>
+              <a:rPr lang="en-US" altLang="ko-KR" sz="1800"/>
+              <a:t>.</a:t>
             </a:r>
             <a:endParaRPr lang="ko-KR" altLang="en-US" sz="1800">
               <a:latin typeface="맑은 고딕" panose="020B0503020000020004" pitchFamily="50" charset="-127"/>
@@ -18968,12 +18972,48 @@
                   <a:srgbClr val="FF0000"/>
                 </a:solidFill>
               </a:rPr>
-              <a:t>ALL or NOTHING</a:t>
-            </a:r>
-            <a:r>
-              <a:rPr lang="en-US" altLang="ko-KR" dirty="0"/>
+              <a:t>ALL or </a:t>
+            </a:r>
+            <a:r>
+              <a:rPr lang="en-US" altLang="ko-KR">
+                <a:solidFill>
+                  <a:srgbClr val="FF0000"/>
+                </a:solidFill>
+              </a:rPr>
+              <a:t>NOTHING</a:t>
+            </a:r>
+            <a:r>
+              <a:rPr lang="en-US" altLang="ko-KR"/>
               <a:t>)</a:t>
             </a:r>
+          </a:p>
+          <a:p>
+            <a:pPr lvl="1"/>
+            <a:r>
+              <a:rPr lang="en-US" altLang="ko-KR"/>
+              <a:t>SQL</a:t>
+            </a:r>
+            <a:r>
+              <a:rPr lang="ko-KR" altLang="en-US"/>
+              <a:t> </a:t>
+            </a:r>
+            <a:r>
+              <a:rPr lang="en-US" altLang="ko-KR"/>
+              <a:t>:</a:t>
+            </a:r>
+            <a:r>
+              <a:rPr lang="ko-KR" altLang="en-US"/>
+              <a:t> </a:t>
+            </a:r>
+            <a:r>
+              <a:rPr lang="en-US" altLang="ko-KR"/>
+              <a:t>DB </a:t>
+            </a:r>
+            <a:r>
+              <a:rPr lang="ko-KR" altLang="en-US"/>
+              <a:t>기능을 사용하기 위한 구문</a:t>
+            </a:r>
+            <a:endParaRPr lang="en-US" altLang="ko-KR" dirty="0"/>
           </a:p>
           <a:p>
             <a:pPr lvl="1"/>
@@ -19072,7 +19112,22 @@
                   <a:srgbClr val="FF0000"/>
                 </a:solidFill>
               </a:rPr>
-              <a:t>을 이용 일관성</a:t>
+              <a:t>을 이용</a:t>
+            </a:r>
+            <a:br>
+              <a:rPr lang="en-US" altLang="ko-KR">
+                <a:solidFill>
+                  <a:srgbClr val="FF0000"/>
+                </a:solidFill>
+              </a:rPr>
+            </a:br>
+            <a:r>
+              <a:rPr lang="ko-KR" altLang="en-US">
+                <a:solidFill>
+                  <a:srgbClr val="FF0000"/>
+                </a:solidFill>
+              </a:rPr>
+              <a:t>일관성</a:t>
             </a:r>
             <a:r>
               <a:rPr lang="en-US" altLang="ko-KR">
@@ -19658,7 +19713,26 @@
                 <a:latin typeface="맑은 고딕" panose="020B0503020000020004" pitchFamily="50" charset="-127"/>
                 <a:ea typeface="맑은 고딕" panose="020B0503020000020004" pitchFamily="50" charset="-127"/>
               </a:rPr>
-              <a:t>결과를 프레임워크 기능으로 개발</a:t>
+              <a:t>결과를</a:t>
+            </a:r>
+            <a:br>
+              <a:rPr lang="en-US" altLang="ko-KR">
+                <a:solidFill>
+                  <a:srgbClr val="FF0000"/>
+                </a:solidFill>
+                <a:latin typeface="맑은 고딕" panose="020B0503020000020004" pitchFamily="50" charset="-127"/>
+                <a:ea typeface="맑은 고딕" panose="020B0503020000020004" pitchFamily="50" charset="-127"/>
+              </a:rPr>
+            </a:br>
+            <a:r>
+              <a:rPr lang="ko-KR" altLang="en-US">
+                <a:solidFill>
+                  <a:srgbClr val="FF0000"/>
+                </a:solidFill>
+                <a:latin typeface="맑은 고딕" panose="020B0503020000020004" pitchFamily="50" charset="-127"/>
+                <a:ea typeface="맑은 고딕" panose="020B0503020000020004" pitchFamily="50" charset="-127"/>
+              </a:rPr>
+              <a:t>프레임워크 기능으로 개발</a:t>
             </a:r>
             <a:endParaRPr lang="en-US" altLang="ko-KR">
               <a:solidFill>
